--- a/source/Security/images_SecureLoginDemo/materialSecureLoginDemo.pptx
+++ b/source/Security/images_SecureLoginDemo/materialSecureLoginDemo.pptx
@@ -5,7 +5,7 @@
     <p:sldMasterId id="2147483648" r:id="rId1"/>
   </p:sldMasterIdLst>
   <p:notesMasterIdLst>
-    <p:notesMasterId r:id="rId13"/>
+    <p:notesMasterId r:id="rId15"/>
   </p:notesMasterIdLst>
   <p:sldIdLst>
     <p:sldId id="260" r:id="rId2"/>
@@ -19,6 +19,8 @@
     <p:sldId id="266" r:id="rId10"/>
     <p:sldId id="267" r:id="rId11"/>
     <p:sldId id="268" r:id="rId12"/>
+    <p:sldId id="269" r:id="rId13"/>
+    <p:sldId id="270" r:id="rId14"/>
   </p:sldIdLst>
   <p:sldSz cx="9144000" cy="6858000" type="screen4x3"/>
   <p:notesSz cx="6858000" cy="9144000"/>
@@ -133,6 +135,8 @@
             <p14:sldId id="266"/>
             <p14:sldId id="267"/>
             <p14:sldId id="268"/>
+            <p14:sldId id="269"/>
+            <p14:sldId id="270"/>
           </p14:sldIdLst>
         </p14:section>
       </p14:sectionLst>
@@ -223,7 +227,7 @@
           <a:p>
             <a:fld id="{A9A68E77-2A2E-4FA8-B0E0-268D9A1D7CFA}" type="datetimeFigureOut">
               <a:rPr kumimoji="1" lang="ja-JP" altLang="en-US" smtClean="0"/>
-              <a:t>2015/12/3</a:t>
+              <a:t>2016/2/17</a:t>
             </a:fld>
             <a:endParaRPr kumimoji="1" lang="ja-JP" altLang="en-US"/>
           </a:p>
@@ -788,7 +792,7 @@
           <a:p>
             <a:fld id="{582D171D-F42A-48A6-A355-A2482FAD1CE4}" type="datetimeFigureOut">
               <a:rPr kumimoji="1" lang="ja-JP" altLang="en-US" smtClean="0"/>
-              <a:t>2015/12/3</a:t>
+              <a:t>2016/2/17</a:t>
             </a:fld>
             <a:endParaRPr kumimoji="1" lang="ja-JP" altLang="en-US"/>
           </a:p>
@@ -990,7 +994,7 @@
           <a:p>
             <a:fld id="{582D171D-F42A-48A6-A355-A2482FAD1CE4}" type="datetimeFigureOut">
               <a:rPr kumimoji="1" lang="ja-JP" altLang="en-US" smtClean="0"/>
-              <a:t>2015/12/3</a:t>
+              <a:t>2016/2/17</a:t>
             </a:fld>
             <a:endParaRPr kumimoji="1" lang="ja-JP" altLang="en-US"/>
           </a:p>
@@ -1202,7 +1206,7 @@
           <a:p>
             <a:fld id="{582D171D-F42A-48A6-A355-A2482FAD1CE4}" type="datetimeFigureOut">
               <a:rPr kumimoji="1" lang="ja-JP" altLang="en-US" smtClean="0"/>
-              <a:t>2015/12/3</a:t>
+              <a:t>2016/2/17</a:t>
             </a:fld>
             <a:endParaRPr kumimoji="1" lang="ja-JP" altLang="en-US"/>
           </a:p>
@@ -1404,7 +1408,7 @@
           <a:p>
             <a:fld id="{582D171D-F42A-48A6-A355-A2482FAD1CE4}" type="datetimeFigureOut">
               <a:rPr kumimoji="1" lang="ja-JP" altLang="en-US" smtClean="0"/>
-              <a:t>2015/12/3</a:t>
+              <a:t>2016/2/17</a:t>
             </a:fld>
             <a:endParaRPr kumimoji="1" lang="ja-JP" altLang="en-US"/>
           </a:p>
@@ -1650,7 +1654,7 @@
           <a:p>
             <a:fld id="{582D171D-F42A-48A6-A355-A2482FAD1CE4}" type="datetimeFigureOut">
               <a:rPr kumimoji="1" lang="ja-JP" altLang="en-US" smtClean="0"/>
-              <a:t>2015/12/3</a:t>
+              <a:t>2016/2/17</a:t>
             </a:fld>
             <a:endParaRPr kumimoji="1" lang="ja-JP" altLang="en-US"/>
           </a:p>
@@ -2002,7 +2006,7 @@
           <a:p>
             <a:fld id="{582D171D-F42A-48A6-A355-A2482FAD1CE4}" type="datetimeFigureOut">
               <a:rPr kumimoji="1" lang="ja-JP" altLang="en-US" smtClean="0"/>
-              <a:t>2015/12/3</a:t>
+              <a:t>2016/2/17</a:t>
             </a:fld>
             <a:endParaRPr kumimoji="1" lang="ja-JP" altLang="en-US"/>
           </a:p>
@@ -2488,7 +2492,7 @@
           <a:p>
             <a:fld id="{582D171D-F42A-48A6-A355-A2482FAD1CE4}" type="datetimeFigureOut">
               <a:rPr kumimoji="1" lang="ja-JP" altLang="en-US" smtClean="0"/>
-              <a:t>2015/12/3</a:t>
+              <a:t>2016/2/17</a:t>
             </a:fld>
             <a:endParaRPr kumimoji="1" lang="ja-JP" altLang="en-US"/>
           </a:p>
@@ -2606,7 +2610,7 @@
           <a:p>
             <a:fld id="{582D171D-F42A-48A6-A355-A2482FAD1CE4}" type="datetimeFigureOut">
               <a:rPr kumimoji="1" lang="ja-JP" altLang="en-US" smtClean="0"/>
-              <a:t>2015/12/3</a:t>
+              <a:t>2016/2/17</a:t>
             </a:fld>
             <a:endParaRPr kumimoji="1" lang="ja-JP" altLang="en-US"/>
           </a:p>
@@ -2701,7 +2705,7 @@
           <a:p>
             <a:fld id="{582D171D-F42A-48A6-A355-A2482FAD1CE4}" type="datetimeFigureOut">
               <a:rPr kumimoji="1" lang="ja-JP" altLang="en-US" smtClean="0"/>
-              <a:t>2015/12/3</a:t>
+              <a:t>2016/2/17</a:t>
             </a:fld>
             <a:endParaRPr kumimoji="1" lang="ja-JP" altLang="en-US"/>
           </a:p>
@@ -3010,7 +3014,7 @@
           <a:p>
             <a:fld id="{582D171D-F42A-48A6-A355-A2482FAD1CE4}" type="datetimeFigureOut">
               <a:rPr kumimoji="1" lang="ja-JP" altLang="en-US" smtClean="0"/>
-              <a:t>2015/12/3</a:t>
+              <a:t>2016/2/17</a:t>
             </a:fld>
             <a:endParaRPr kumimoji="1" lang="ja-JP" altLang="en-US"/>
           </a:p>
@@ -3263,7 +3267,7 @@
           <a:p>
             <a:fld id="{582D171D-F42A-48A6-A355-A2482FAD1CE4}" type="datetimeFigureOut">
               <a:rPr kumimoji="1" lang="ja-JP" altLang="en-US" smtClean="0"/>
-              <a:t>2015/12/3</a:t>
+              <a:t>2016/2/17</a:t>
             </a:fld>
             <a:endParaRPr kumimoji="1" lang="ja-JP" altLang="en-US"/>
           </a:p>
@@ -3508,7 +3512,7 @@
           <a:p>
             <a:fld id="{582D171D-F42A-48A6-A355-A2482FAD1CE4}" type="datetimeFigureOut">
               <a:rPr kumimoji="1" lang="ja-JP" altLang="en-US" smtClean="0"/>
-              <a:t>2015/12/3</a:t>
+              <a:t>2016/2/17</a:t>
             </a:fld>
             <a:endParaRPr kumimoji="1" lang="ja-JP" altLang="en-US"/>
           </a:p>
@@ -6068,10 +6072,59 @@
           </a:p>
         </p:txBody>
       </p:sp>
+      <p:sp>
+        <p:nvSpPr>
+          <p:cNvPr id="2" name="フローチャート: 処理 1"/>
+          <p:cNvSpPr/>
+          <p:nvPr/>
+        </p:nvSpPr>
+        <p:spPr>
+          <a:xfrm>
+            <a:off x="434674" y="188640"/>
+            <a:ext cx="5865518" cy="1656184"/>
+          </a:xfrm>
+          <a:prstGeom prst="flowChartProcess">
+            <a:avLst/>
+          </a:prstGeom>
+          <a:noFill/>
+          <a:ln w="57150">
+            <a:prstDash val="dash"/>
+          </a:ln>
+          <a:effectLst>
+            <a:outerShdw blurRad="50800" dist="38100" dir="2700000" algn="tl" rotWithShape="0">
+              <a:prstClr val="black">
+                <a:alpha val="40000"/>
+              </a:prstClr>
+            </a:outerShdw>
+          </a:effectLst>
+        </p:spPr>
+        <p:style>
+          <a:lnRef idx="2">
+            <a:schemeClr val="accent2"/>
+          </a:lnRef>
+          <a:fillRef idx="1">
+            <a:schemeClr val="lt1"/>
+          </a:fillRef>
+          <a:effectRef idx="0">
+            <a:schemeClr val="accent2"/>
+          </a:effectRef>
+          <a:fontRef idx="minor">
+            <a:schemeClr val="dk1"/>
+          </a:fontRef>
+        </p:style>
+        <p:txBody>
+          <a:bodyPr rtlCol="0" anchor="ctr"/>
+          <a:lstStyle/>
+          <a:p>
+            <a:pPr algn="ctr"/>
+            <a:endParaRPr kumimoji="1" lang="ja-JP" altLang="en-US"/>
+          </a:p>
+        </p:txBody>
+      </p:sp>
     </p:spTree>
     <p:extLst>
       <p:ext uri="{BB962C8B-B14F-4D97-AF65-F5344CB8AC3E}">
-        <p14:creationId xmlns:p14="http://schemas.microsoft.com/office/powerpoint/2010/main" val="1950705394"/>
+        <p14:creationId xmlns:p14="http://schemas.microsoft.com/office/powerpoint/2010/main" val="2618266508"/>
       </p:ext>
     </p:extLst>
   </p:cSld>
@@ -6100,7 +6153,7 @@
       </p:grpSpPr>
       <p:pic>
         <p:nvPicPr>
-          <p:cNvPr id="8194" name="Picture 2"/>
+          <p:cNvPr id="6146" name="Picture 2"/>
           <p:cNvPicPr>
             <a:picLocks noChangeAspect="1" noChangeArrowheads="1"/>
           </p:cNvPicPr>
@@ -6121,8 +6174,8 @@
         </p:blipFill>
         <p:spPr bwMode="auto">
           <a:xfrm>
-            <a:off x="2051720" y="620688"/>
-            <a:ext cx="4219575" cy="3076575"/>
+            <a:off x="2672035" y="1916832"/>
+            <a:ext cx="6076429" cy="1368152"/>
           </a:xfrm>
           <a:prstGeom prst="rect">
             <a:avLst/>
@@ -6154,7 +6207,7 @@
       </p:pic>
       <p:pic>
         <p:nvPicPr>
-          <p:cNvPr id="8195" name="Picture 3"/>
+          <p:cNvPr id="6147" name="Picture 3"/>
           <p:cNvPicPr>
             <a:picLocks noChangeAspect="1" noChangeArrowheads="1"/>
           </p:cNvPicPr>
@@ -6175,8 +6228,8 @@
         </p:blipFill>
         <p:spPr bwMode="auto">
           <a:xfrm>
-            <a:off x="2051720" y="4437112"/>
-            <a:ext cx="4286250" cy="1390650"/>
+            <a:off x="552723" y="260648"/>
+            <a:ext cx="3731245" cy="1668579"/>
           </a:xfrm>
           <a:prstGeom prst="rect">
             <a:avLst/>
@@ -6208,17 +6261,22 @@
       </p:pic>
       <p:sp>
         <p:nvSpPr>
-          <p:cNvPr id="6" name="下矢印 5"/>
+          <p:cNvPr id="4" name="曲折矢印 3"/>
           <p:cNvSpPr/>
           <p:nvPr/>
         </p:nvSpPr>
         <p:spPr>
-          <a:xfrm>
-            <a:off x="3801467" y="3827651"/>
-            <a:ext cx="720080" cy="561642"/>
-          </a:xfrm>
-          <a:prstGeom prst="downArrow">
-            <a:avLst/>
+          <a:xfrm rot="10800000" flipH="1">
+            <a:off x="1416819" y="1946660"/>
+            <a:ext cx="792089" cy="906275"/>
+          </a:xfrm>
+          <a:prstGeom prst="bentArrow">
+            <a:avLst>
+              <a:gd name="adj1" fmla="val 25000"/>
+              <a:gd name="adj2" fmla="val 26089"/>
+              <a:gd name="adj3" fmla="val 25000"/>
+              <a:gd name="adj4" fmla="val 43750"/>
+            </a:avLst>
           </a:prstGeom>
         </p:spPr>
         <p:style>
@@ -6242,20 +6300,531 @@
           <a:lstStyle/>
           <a:p>
             <a:pPr algn="ctr"/>
-            <a:endParaRPr kumimoji="1" lang="ja-JP" altLang="en-US"/>
-          </a:p>
-        </p:txBody>
-      </p:sp>
-      <p:sp>
-        <p:nvSpPr>
-          <p:cNvPr id="7" name="角丸四角形吹き出し 6"/>
+            <a:endParaRPr kumimoji="1" lang="ja-JP" altLang="en-US">
+              <a:solidFill>
+                <a:schemeClr val="tx1"/>
+              </a:solidFill>
+            </a:endParaRPr>
+          </a:p>
+        </p:txBody>
+      </p:sp>
+      <p:sp>
+        <p:nvSpPr>
+          <p:cNvPr id="5" name="正方形/長方形 4"/>
           <p:cNvSpPr/>
           <p:nvPr/>
         </p:nvSpPr>
         <p:spPr>
           <a:xfrm>
-            <a:off x="5940152" y="4401781"/>
-            <a:ext cx="2232248" cy="560443"/>
+            <a:off x="2856978" y="3501008"/>
+            <a:ext cx="864096" cy="504056"/>
+          </a:xfrm>
+          <a:prstGeom prst="rect">
+            <a:avLst/>
+          </a:prstGeom>
+        </p:spPr>
+        <p:style>
+          <a:lnRef idx="2">
+            <a:schemeClr val="dk1"/>
+          </a:lnRef>
+          <a:fillRef idx="1">
+            <a:schemeClr val="lt1"/>
+          </a:fillRef>
+          <a:effectRef idx="0">
+            <a:schemeClr val="dk1"/>
+          </a:effectRef>
+          <a:fontRef idx="minor">
+            <a:schemeClr val="dk1"/>
+          </a:fontRef>
+        </p:style>
+        <p:txBody>
+          <a:bodyPr rtlCol="0" anchor="ctr"/>
+          <a:lstStyle/>
+          <a:p>
+            <a:pPr algn="ctr"/>
+            <a:endParaRPr kumimoji="1" lang="ja-JP" altLang="en-US"/>
+          </a:p>
+        </p:txBody>
+      </p:sp>
+      <p:cxnSp>
+        <p:nvCxnSpPr>
+          <p:cNvPr id="7" name="直線コネクタ 6"/>
+          <p:cNvCxnSpPr/>
+          <p:nvPr/>
+        </p:nvCxnSpPr>
+        <p:spPr>
+          <a:xfrm>
+            <a:off x="2856978" y="3501008"/>
+            <a:ext cx="432048" cy="252028"/>
+          </a:xfrm>
+          <a:prstGeom prst="line">
+            <a:avLst/>
+          </a:prstGeom>
+        </p:spPr>
+        <p:style>
+          <a:lnRef idx="2">
+            <a:schemeClr val="dk1"/>
+          </a:lnRef>
+          <a:fillRef idx="0">
+            <a:schemeClr val="dk1"/>
+          </a:fillRef>
+          <a:effectRef idx="1">
+            <a:schemeClr val="dk1"/>
+          </a:effectRef>
+          <a:fontRef idx="minor">
+            <a:schemeClr val="tx1"/>
+          </a:fontRef>
+        </p:style>
+      </p:cxnSp>
+      <p:cxnSp>
+        <p:nvCxnSpPr>
+          <p:cNvPr id="10" name="直線コネクタ 9"/>
+          <p:cNvCxnSpPr/>
+          <p:nvPr/>
+        </p:nvCxnSpPr>
+        <p:spPr>
+          <a:xfrm flipV="1">
+            <a:off x="3289026" y="3501008"/>
+            <a:ext cx="432048" cy="252028"/>
+          </a:xfrm>
+          <a:prstGeom prst="line">
+            <a:avLst/>
+          </a:prstGeom>
+        </p:spPr>
+        <p:style>
+          <a:lnRef idx="2">
+            <a:schemeClr val="dk1"/>
+          </a:lnRef>
+          <a:fillRef idx="0">
+            <a:schemeClr val="dk1"/>
+          </a:fillRef>
+          <a:effectRef idx="1">
+            <a:schemeClr val="dk1"/>
+          </a:effectRef>
+          <a:fontRef idx="minor">
+            <a:schemeClr val="tx1"/>
+          </a:fontRef>
+        </p:style>
+      </p:cxnSp>
+      <p:sp>
+        <p:nvSpPr>
+          <p:cNvPr id="13" name="曲折矢印 12"/>
+          <p:cNvSpPr/>
+          <p:nvPr/>
+        </p:nvSpPr>
+        <p:spPr>
+          <a:xfrm rot="10800000" flipH="1">
+            <a:off x="1416818" y="1946658"/>
+            <a:ext cx="792090" cy="1986398"/>
+          </a:xfrm>
+          <a:prstGeom prst="bentArrow">
+            <a:avLst>
+              <a:gd name="adj1" fmla="val 25000"/>
+              <a:gd name="adj2" fmla="val 26089"/>
+              <a:gd name="adj3" fmla="val 25000"/>
+              <a:gd name="adj4" fmla="val 40483"/>
+            </a:avLst>
+          </a:prstGeom>
+        </p:spPr>
+        <p:style>
+          <a:lnRef idx="2">
+            <a:schemeClr val="accent1">
+              <a:shade val="50000"/>
+            </a:schemeClr>
+          </a:lnRef>
+          <a:fillRef idx="1">
+            <a:schemeClr val="accent1"/>
+          </a:fillRef>
+          <a:effectRef idx="0">
+            <a:schemeClr val="accent1"/>
+          </a:effectRef>
+          <a:fontRef idx="minor">
+            <a:schemeClr val="lt1"/>
+          </a:fontRef>
+        </p:style>
+        <p:txBody>
+          <a:bodyPr rtlCol="0" anchor="ctr"/>
+          <a:lstStyle/>
+          <a:p>
+            <a:pPr algn="ctr"/>
+            <a:endParaRPr kumimoji="1" lang="ja-JP" altLang="en-US">
+              <a:solidFill>
+                <a:schemeClr val="tx1"/>
+              </a:solidFill>
+            </a:endParaRPr>
+          </a:p>
+        </p:txBody>
+      </p:sp>
+      <p:sp>
+        <p:nvSpPr>
+          <p:cNvPr id="11" name="角丸四角形吹き出し 10"/>
+          <p:cNvSpPr/>
+          <p:nvPr/>
+        </p:nvSpPr>
+        <p:spPr>
+          <a:xfrm>
+            <a:off x="3923928" y="344289"/>
+            <a:ext cx="2016224" cy="864096"/>
+          </a:xfrm>
+          <a:prstGeom prst="wedgeRoundRectCallout">
+            <a:avLst>
+              <a:gd name="adj1" fmla="val -70891"/>
+              <a:gd name="adj2" fmla="val 14581"/>
+              <a:gd name="adj3" fmla="val 16667"/>
+            </a:avLst>
+          </a:prstGeom>
+        </p:spPr>
+        <p:style>
+          <a:lnRef idx="2">
+            <a:schemeClr val="accent6">
+              <a:shade val="50000"/>
+            </a:schemeClr>
+          </a:lnRef>
+          <a:fillRef idx="1">
+            <a:schemeClr val="accent6"/>
+          </a:fillRef>
+          <a:effectRef idx="0">
+            <a:schemeClr val="accent6"/>
+          </a:effectRef>
+          <a:fontRef idx="minor">
+            <a:schemeClr val="lt1"/>
+          </a:fontRef>
+        </p:style>
+        <p:txBody>
+          <a:bodyPr rtlCol="0" anchor="ctr"/>
+          <a:lstStyle/>
+          <a:p>
+            <a:pPr algn="ctr"/>
+            <a:r>
+              <a:rPr kumimoji="1" lang="en-US" altLang="ja-JP" smtClean="0"/>
+              <a:t>generate token and secret</a:t>
+            </a:r>
+            <a:endParaRPr kumimoji="1" lang="ja-JP" altLang="en-US"/>
+          </a:p>
+        </p:txBody>
+      </p:sp>
+      <p:sp>
+        <p:nvSpPr>
+          <p:cNvPr id="15" name="角丸四角形吹き出し 14"/>
+          <p:cNvSpPr/>
+          <p:nvPr/>
+        </p:nvSpPr>
+        <p:spPr>
+          <a:xfrm>
+            <a:off x="6012160" y="2399798"/>
+            <a:ext cx="1834053" cy="558062"/>
+          </a:xfrm>
+          <a:prstGeom prst="wedgeRoundRectCallout">
+            <a:avLst>
+              <a:gd name="adj1" fmla="val -70891"/>
+              <a:gd name="adj2" fmla="val 14581"/>
+              <a:gd name="adj3" fmla="val 16667"/>
+            </a:avLst>
+          </a:prstGeom>
+        </p:spPr>
+        <p:style>
+          <a:lnRef idx="2">
+            <a:schemeClr val="accent6">
+              <a:shade val="50000"/>
+            </a:schemeClr>
+          </a:lnRef>
+          <a:fillRef idx="1">
+            <a:schemeClr val="accent6"/>
+          </a:fillRef>
+          <a:effectRef idx="0">
+            <a:schemeClr val="accent6"/>
+          </a:effectRef>
+          <a:fontRef idx="minor">
+            <a:schemeClr val="lt1"/>
+          </a:fontRef>
+        </p:style>
+        <p:txBody>
+          <a:bodyPr rtlCol="0" anchor="ctr"/>
+          <a:lstStyle/>
+          <a:p>
+            <a:pPr algn="ctr"/>
+            <a:r>
+              <a:rPr kumimoji="1" lang="en-US" altLang="ja-JP" smtClean="0"/>
+              <a:t>show the secret</a:t>
+            </a:r>
+            <a:endParaRPr kumimoji="1" lang="ja-JP" altLang="en-US"/>
+          </a:p>
+        </p:txBody>
+      </p:sp>
+      <p:sp>
+        <p:nvSpPr>
+          <p:cNvPr id="16" name="角丸四角形吹き出し 15"/>
+          <p:cNvSpPr/>
+          <p:nvPr/>
+        </p:nvSpPr>
+        <p:spPr>
+          <a:xfrm>
+            <a:off x="4139951" y="3573016"/>
+            <a:ext cx="2952329" cy="432048"/>
+          </a:xfrm>
+          <a:prstGeom prst="wedgeRoundRectCallout">
+            <a:avLst>
+              <a:gd name="adj1" fmla="val -60080"/>
+              <a:gd name="adj2" fmla="val 10588"/>
+              <a:gd name="adj3" fmla="val 16667"/>
+            </a:avLst>
+          </a:prstGeom>
+        </p:spPr>
+        <p:style>
+          <a:lnRef idx="2">
+            <a:schemeClr val="accent6">
+              <a:shade val="50000"/>
+            </a:schemeClr>
+          </a:lnRef>
+          <a:fillRef idx="1">
+            <a:schemeClr val="accent6"/>
+          </a:fillRef>
+          <a:effectRef idx="0">
+            <a:schemeClr val="accent6"/>
+          </a:effectRef>
+          <a:fontRef idx="minor">
+            <a:schemeClr val="lt1"/>
+          </a:fontRef>
+        </p:style>
+        <p:txBody>
+          <a:bodyPr rtlCol="0" anchor="ctr"/>
+          <a:lstStyle/>
+          <a:p>
+            <a:pPr algn="ctr"/>
+            <a:r>
+              <a:rPr kumimoji="1" lang="en-US" altLang="ja-JP" smtClean="0"/>
+              <a:t>send URL (token is included)</a:t>
+            </a:r>
+            <a:endParaRPr kumimoji="1" lang="ja-JP" altLang="en-US"/>
+          </a:p>
+        </p:txBody>
+      </p:sp>
+      <p:pic>
+        <p:nvPicPr>
+          <p:cNvPr id="17" name="Picture 3"/>
+          <p:cNvPicPr>
+            <a:picLocks noChangeAspect="1" noChangeArrowheads="1"/>
+          </p:cNvPicPr>
+          <p:nvPr/>
+        </p:nvPicPr>
+        <p:blipFill>
+          <a:blip r:embed="rId4">
+            <a:extLst>
+              <a:ext uri="{28A0092B-C50C-407E-A947-70E740481C1C}">
+                <a14:useLocalDpi xmlns:a14="http://schemas.microsoft.com/office/drawing/2010/main" val="0"/>
+              </a:ext>
+            </a:extLst>
+          </a:blip>
+          <a:srcRect/>
+          <a:stretch>
+            <a:fillRect/>
+          </a:stretch>
+        </p:blipFill>
+        <p:spPr bwMode="auto">
+          <a:xfrm>
+            <a:off x="434674" y="4581128"/>
+            <a:ext cx="3456384" cy="2143260"/>
+          </a:xfrm>
+          <a:prstGeom prst="rect">
+            <a:avLst/>
+          </a:prstGeom>
+          <a:noFill/>
+          <a:ln>
+            <a:noFill/>
+          </a:ln>
+          <a:extLst>
+            <a:ext uri="{909E8E84-426E-40DD-AFC4-6F175D3DCCD1}">
+              <a14:hiddenFill xmlns:a14="http://schemas.microsoft.com/office/drawing/2010/main">
+                <a:solidFill>
+                  <a:schemeClr val="accent1"/>
+                </a:solidFill>
+              </a14:hiddenFill>
+            </a:ext>
+            <a:ext uri="{91240B29-F687-4F45-9708-019B960494DF}">
+              <a14:hiddenLine xmlns:a14="http://schemas.microsoft.com/office/drawing/2010/main" w="9525">
+                <a:solidFill>
+                  <a:schemeClr val="tx1"/>
+                </a:solidFill>
+                <a:miter lim="800000"/>
+                <a:headEnd/>
+                <a:tailEnd/>
+              </a14:hiddenLine>
+            </a:ext>
+          </a:extLst>
+        </p:spPr>
+      </p:pic>
+      <p:pic>
+        <p:nvPicPr>
+          <p:cNvPr id="18" name="Picture 2"/>
+          <p:cNvPicPr>
+            <a:picLocks noChangeAspect="1" noChangeArrowheads="1"/>
+          </p:cNvPicPr>
+          <p:nvPr/>
+        </p:nvPicPr>
+        <p:blipFill>
+          <a:blip r:embed="rId5">
+            <a:extLst>
+              <a:ext uri="{28A0092B-C50C-407E-A947-70E740481C1C}">
+                <a14:useLocalDpi xmlns:a14="http://schemas.microsoft.com/office/drawing/2010/main" val="0"/>
+              </a:ext>
+            </a:extLst>
+          </a:blip>
+          <a:srcRect/>
+          <a:stretch>
+            <a:fillRect/>
+          </a:stretch>
+        </p:blipFill>
+        <p:spPr bwMode="auto">
+          <a:xfrm>
+            <a:off x="4283968" y="4725144"/>
+            <a:ext cx="3810000" cy="1266825"/>
+          </a:xfrm>
+          <a:prstGeom prst="rect">
+            <a:avLst/>
+          </a:prstGeom>
+          <a:noFill/>
+          <a:ln>
+            <a:noFill/>
+          </a:ln>
+          <a:extLst>
+            <a:ext uri="{909E8E84-426E-40DD-AFC4-6F175D3DCCD1}">
+              <a14:hiddenFill xmlns:a14="http://schemas.microsoft.com/office/drawing/2010/main">
+                <a:solidFill>
+                  <a:schemeClr val="accent1"/>
+                </a:solidFill>
+              </a14:hiddenFill>
+            </a:ext>
+            <a:ext uri="{91240B29-F687-4F45-9708-019B960494DF}">
+              <a14:hiddenLine xmlns:a14="http://schemas.microsoft.com/office/drawing/2010/main" w="9525">
+                <a:solidFill>
+                  <a:schemeClr val="tx1"/>
+                </a:solidFill>
+                <a:miter lim="800000"/>
+                <a:headEnd/>
+                <a:tailEnd/>
+              </a14:hiddenLine>
+            </a:ext>
+          </a:extLst>
+        </p:spPr>
+      </p:pic>
+      <p:cxnSp>
+        <p:nvCxnSpPr>
+          <p:cNvPr id="14" name="直線矢印コネクタ 13"/>
+          <p:cNvCxnSpPr/>
+          <p:nvPr/>
+        </p:nvCxnSpPr>
+        <p:spPr>
+          <a:xfrm flipH="1">
+            <a:off x="2418347" y="4149080"/>
+            <a:ext cx="750996" cy="421644"/>
+          </a:xfrm>
+          <a:prstGeom prst="straightConnector1">
+            <a:avLst/>
+          </a:prstGeom>
+          <a:ln w="57150">
+            <a:prstDash val="sysDash"/>
+            <a:tailEnd type="arrow"/>
+          </a:ln>
+        </p:spPr>
+        <p:style>
+          <a:lnRef idx="3">
+            <a:schemeClr val="accent1"/>
+          </a:lnRef>
+          <a:fillRef idx="0">
+            <a:schemeClr val="accent1"/>
+          </a:fillRef>
+          <a:effectRef idx="2">
+            <a:schemeClr val="accent1"/>
+          </a:effectRef>
+          <a:fontRef idx="minor">
+            <a:schemeClr val="tx1"/>
+          </a:fontRef>
+        </p:style>
+      </p:cxnSp>
+      <p:cxnSp>
+        <p:nvCxnSpPr>
+          <p:cNvPr id="23" name="直線矢印コネクタ 22"/>
+          <p:cNvCxnSpPr/>
+          <p:nvPr/>
+        </p:nvCxnSpPr>
+        <p:spPr>
+          <a:xfrm>
+            <a:off x="3419872" y="4149080"/>
+            <a:ext cx="864096" cy="421644"/>
+          </a:xfrm>
+          <a:prstGeom prst="straightConnector1">
+            <a:avLst/>
+          </a:prstGeom>
+          <a:ln w="57150">
+            <a:prstDash val="sysDash"/>
+            <a:tailEnd type="arrow"/>
+          </a:ln>
+        </p:spPr>
+        <p:style>
+          <a:lnRef idx="3">
+            <a:schemeClr val="accent1"/>
+          </a:lnRef>
+          <a:fillRef idx="0">
+            <a:schemeClr val="accent1"/>
+          </a:fillRef>
+          <a:effectRef idx="2">
+            <a:schemeClr val="accent1"/>
+          </a:effectRef>
+          <a:fontRef idx="minor">
+            <a:schemeClr val="tx1"/>
+          </a:fontRef>
+        </p:style>
+      </p:cxnSp>
+      <p:sp>
+        <p:nvSpPr>
+          <p:cNvPr id="25" name="円/楕円 24"/>
+          <p:cNvSpPr/>
+          <p:nvPr/>
+        </p:nvSpPr>
+        <p:spPr>
+          <a:xfrm>
+            <a:off x="3169343" y="3670152"/>
+            <a:ext cx="207398" cy="162018"/>
+          </a:xfrm>
+          <a:prstGeom prst="ellipse">
+            <a:avLst/>
+          </a:prstGeom>
+        </p:spPr>
+        <p:style>
+          <a:lnRef idx="2">
+            <a:schemeClr val="accent2">
+              <a:shade val="50000"/>
+            </a:schemeClr>
+          </a:lnRef>
+          <a:fillRef idx="1">
+            <a:schemeClr val="accent2"/>
+          </a:fillRef>
+          <a:effectRef idx="0">
+            <a:schemeClr val="accent2"/>
+          </a:effectRef>
+          <a:fontRef idx="minor">
+            <a:schemeClr val="lt1"/>
+          </a:fontRef>
+        </p:style>
+        <p:txBody>
+          <a:bodyPr rtlCol="0" anchor="ctr"/>
+          <a:lstStyle/>
+          <a:p>
+            <a:pPr algn="ctr"/>
+            <a:endParaRPr kumimoji="1" lang="ja-JP" altLang="en-US"/>
+          </a:p>
+        </p:txBody>
+      </p:sp>
+      <p:sp>
+        <p:nvSpPr>
+          <p:cNvPr id="30" name="角丸四角形吹き出し 29"/>
+          <p:cNvSpPr/>
+          <p:nvPr/>
+        </p:nvSpPr>
+        <p:spPr>
+          <a:xfrm>
+            <a:off x="4499992" y="4308718"/>
+            <a:ext cx="2678706" cy="405921"/>
           </a:xfrm>
           <a:prstGeom prst="wedgeRoundRectCallout">
             <a:avLst>
@@ -6287,23 +6856,814 @@
           <a:p>
             <a:pPr algn="ctr"/>
             <a:r>
-              <a:rPr lang="en-US" altLang="ja-JP" smtClean="0"/>
-              <a:t>the URL has been invalidated</a:t>
-            </a:r>
-            <a:endParaRPr kumimoji="1" lang="ja-JP" altLang="en-US"/>
-          </a:p>
-        </p:txBody>
-      </p:sp>
-      <p:sp>
-        <p:nvSpPr>
-          <p:cNvPr id="8" name="角丸四角形吹き出し 7"/>
+              <a:rPr kumimoji="1" lang="en-US" altLang="ja-JP" smtClean="0"/>
+              <a:t>token has been expired</a:t>
+            </a:r>
+            <a:endParaRPr kumimoji="1" lang="ja-JP" altLang="en-US"/>
+          </a:p>
+        </p:txBody>
+      </p:sp>
+      <p:sp>
+        <p:nvSpPr>
+          <p:cNvPr id="32" name="角丸四角形吹き出し 31"/>
           <p:cNvSpPr/>
           <p:nvPr/>
         </p:nvSpPr>
         <p:spPr>
           <a:xfrm>
-            <a:off x="6257294" y="1196752"/>
-            <a:ext cx="2059122" cy="405921"/>
+            <a:off x="552723" y="4117715"/>
+            <a:ext cx="1617045" cy="405921"/>
+          </a:xfrm>
+          <a:prstGeom prst="wedgeRoundRectCallout">
+            <a:avLst>
+              <a:gd name="adj1" fmla="val 62719"/>
+              <a:gd name="adj2" fmla="val 34479"/>
+              <a:gd name="adj3" fmla="val 16667"/>
+            </a:avLst>
+          </a:prstGeom>
+        </p:spPr>
+        <p:style>
+          <a:lnRef idx="2">
+            <a:schemeClr val="accent6">
+              <a:shade val="50000"/>
+            </a:schemeClr>
+          </a:lnRef>
+          <a:fillRef idx="1">
+            <a:schemeClr val="accent6"/>
+          </a:fillRef>
+          <a:effectRef idx="0">
+            <a:schemeClr val="accent6"/>
+          </a:effectRef>
+          <a:fontRef idx="minor">
+            <a:schemeClr val="lt1"/>
+          </a:fontRef>
+        </p:style>
+        <p:txBody>
+          <a:bodyPr rtlCol="0" anchor="ctr"/>
+          <a:lstStyle/>
+          <a:p>
+            <a:pPr algn="ctr"/>
+            <a:r>
+              <a:rPr kumimoji="1" lang="en-US" altLang="ja-JP" smtClean="0"/>
+              <a:t>token is valid</a:t>
+            </a:r>
+            <a:endParaRPr kumimoji="1" lang="ja-JP" altLang="en-US"/>
+          </a:p>
+        </p:txBody>
+      </p:sp>
+      <p:sp>
+        <p:nvSpPr>
+          <p:cNvPr id="2" name="フローチャート: 処理 1"/>
+          <p:cNvSpPr/>
+          <p:nvPr/>
+        </p:nvSpPr>
+        <p:spPr>
+          <a:xfrm>
+            <a:off x="434674" y="1896580"/>
+            <a:ext cx="8601822" cy="2160240"/>
+          </a:xfrm>
+          <a:prstGeom prst="flowChartProcess">
+            <a:avLst/>
+          </a:prstGeom>
+          <a:noFill/>
+          <a:ln w="57150">
+            <a:prstDash val="dash"/>
+          </a:ln>
+          <a:effectLst>
+            <a:outerShdw blurRad="50800" dist="38100" dir="2700000" algn="tl" rotWithShape="0">
+              <a:prstClr val="black">
+                <a:alpha val="40000"/>
+              </a:prstClr>
+            </a:outerShdw>
+          </a:effectLst>
+        </p:spPr>
+        <p:style>
+          <a:lnRef idx="2">
+            <a:schemeClr val="accent2"/>
+          </a:lnRef>
+          <a:fillRef idx="1">
+            <a:schemeClr val="lt1"/>
+          </a:fillRef>
+          <a:effectRef idx="0">
+            <a:schemeClr val="accent2"/>
+          </a:effectRef>
+          <a:fontRef idx="minor">
+            <a:schemeClr val="dk1"/>
+          </a:fontRef>
+        </p:style>
+        <p:txBody>
+          <a:bodyPr rtlCol="0" anchor="ctr"/>
+          <a:lstStyle/>
+          <a:p>
+            <a:pPr algn="ctr"/>
+            <a:endParaRPr kumimoji="1" lang="ja-JP" altLang="en-US"/>
+          </a:p>
+        </p:txBody>
+      </p:sp>
+    </p:spTree>
+    <p:extLst>
+      <p:ext uri="{BB962C8B-B14F-4D97-AF65-F5344CB8AC3E}">
+        <p14:creationId xmlns:p14="http://schemas.microsoft.com/office/powerpoint/2010/main" val="1126174716"/>
+      </p:ext>
+    </p:extLst>
+  </p:cSld>
+  <p:clrMapOvr>
+    <a:masterClrMapping/>
+  </p:clrMapOvr>
+</p:sld>
+</file>
+
+<file path=ppt/slides/slide12.xml><?xml version="1.0" encoding="utf-8"?>
+<p:sld xmlns:a="http://schemas.openxmlformats.org/drawingml/2006/main" xmlns:r="http://schemas.openxmlformats.org/officeDocument/2006/relationships" xmlns:p="http://schemas.openxmlformats.org/presentationml/2006/main">
+  <p:cSld>
+    <p:spTree>
+      <p:nvGrpSpPr>
+        <p:cNvPr id="1" name=""/>
+        <p:cNvGrpSpPr/>
+        <p:nvPr/>
+      </p:nvGrpSpPr>
+      <p:grpSpPr>
+        <a:xfrm>
+          <a:off x="0" y="0"/>
+          <a:ext cx="0" cy="0"/>
+          <a:chOff x="0" y="0"/>
+          <a:chExt cx="0" cy="0"/>
+        </a:xfrm>
+      </p:grpSpPr>
+      <p:pic>
+        <p:nvPicPr>
+          <p:cNvPr id="6146" name="Picture 2"/>
+          <p:cNvPicPr>
+            <a:picLocks noChangeAspect="1" noChangeArrowheads="1"/>
+          </p:cNvPicPr>
+          <p:nvPr/>
+        </p:nvPicPr>
+        <p:blipFill>
+          <a:blip r:embed="rId2">
+            <a:extLst>
+              <a:ext uri="{28A0092B-C50C-407E-A947-70E740481C1C}">
+                <a14:useLocalDpi xmlns:a14="http://schemas.microsoft.com/office/drawing/2010/main" val="0"/>
+              </a:ext>
+            </a:extLst>
+          </a:blip>
+          <a:srcRect/>
+          <a:stretch>
+            <a:fillRect/>
+          </a:stretch>
+        </p:blipFill>
+        <p:spPr bwMode="auto">
+          <a:xfrm>
+            <a:off x="2672035" y="1916832"/>
+            <a:ext cx="6076429" cy="1368152"/>
+          </a:xfrm>
+          <a:prstGeom prst="rect">
+            <a:avLst/>
+          </a:prstGeom>
+          <a:noFill/>
+          <a:ln>
+            <a:noFill/>
+          </a:ln>
+          <a:extLst>
+            <a:ext uri="{909E8E84-426E-40DD-AFC4-6F175D3DCCD1}">
+              <a14:hiddenFill xmlns:a14="http://schemas.microsoft.com/office/drawing/2010/main">
+                <a:solidFill>
+                  <a:schemeClr val="accent1"/>
+                </a:solidFill>
+              </a14:hiddenFill>
+            </a:ext>
+            <a:ext uri="{91240B29-F687-4F45-9708-019B960494DF}">
+              <a14:hiddenLine xmlns:a14="http://schemas.microsoft.com/office/drawing/2010/main" w="9525">
+                <a:solidFill>
+                  <a:schemeClr val="tx1"/>
+                </a:solidFill>
+                <a:miter lim="800000"/>
+                <a:headEnd/>
+                <a:tailEnd/>
+              </a14:hiddenLine>
+            </a:ext>
+          </a:extLst>
+        </p:spPr>
+      </p:pic>
+      <p:pic>
+        <p:nvPicPr>
+          <p:cNvPr id="6147" name="Picture 3"/>
+          <p:cNvPicPr>
+            <a:picLocks noChangeAspect="1" noChangeArrowheads="1"/>
+          </p:cNvPicPr>
+          <p:nvPr/>
+        </p:nvPicPr>
+        <p:blipFill>
+          <a:blip r:embed="rId3">
+            <a:extLst>
+              <a:ext uri="{28A0092B-C50C-407E-A947-70E740481C1C}">
+                <a14:useLocalDpi xmlns:a14="http://schemas.microsoft.com/office/drawing/2010/main" val="0"/>
+              </a:ext>
+            </a:extLst>
+          </a:blip>
+          <a:srcRect/>
+          <a:stretch>
+            <a:fillRect/>
+          </a:stretch>
+        </p:blipFill>
+        <p:spPr bwMode="auto">
+          <a:xfrm>
+            <a:off x="552723" y="260648"/>
+            <a:ext cx="3731245" cy="1668579"/>
+          </a:xfrm>
+          <a:prstGeom prst="rect">
+            <a:avLst/>
+          </a:prstGeom>
+          <a:noFill/>
+          <a:ln>
+            <a:noFill/>
+          </a:ln>
+          <a:extLst>
+            <a:ext uri="{909E8E84-426E-40DD-AFC4-6F175D3DCCD1}">
+              <a14:hiddenFill xmlns:a14="http://schemas.microsoft.com/office/drawing/2010/main">
+                <a:solidFill>
+                  <a:schemeClr val="accent1"/>
+                </a:solidFill>
+              </a14:hiddenFill>
+            </a:ext>
+            <a:ext uri="{91240B29-F687-4F45-9708-019B960494DF}">
+              <a14:hiddenLine xmlns:a14="http://schemas.microsoft.com/office/drawing/2010/main" w="9525">
+                <a:solidFill>
+                  <a:schemeClr val="tx1"/>
+                </a:solidFill>
+                <a:miter lim="800000"/>
+                <a:headEnd/>
+                <a:tailEnd/>
+              </a14:hiddenLine>
+            </a:ext>
+          </a:extLst>
+        </p:spPr>
+      </p:pic>
+      <p:sp>
+        <p:nvSpPr>
+          <p:cNvPr id="4" name="曲折矢印 3"/>
+          <p:cNvSpPr/>
+          <p:nvPr/>
+        </p:nvSpPr>
+        <p:spPr>
+          <a:xfrm rot="10800000" flipH="1">
+            <a:off x="1416819" y="1946660"/>
+            <a:ext cx="792089" cy="906275"/>
+          </a:xfrm>
+          <a:prstGeom prst="bentArrow">
+            <a:avLst>
+              <a:gd name="adj1" fmla="val 25000"/>
+              <a:gd name="adj2" fmla="val 26089"/>
+              <a:gd name="adj3" fmla="val 25000"/>
+              <a:gd name="adj4" fmla="val 43750"/>
+            </a:avLst>
+          </a:prstGeom>
+        </p:spPr>
+        <p:style>
+          <a:lnRef idx="2">
+            <a:schemeClr val="accent1">
+              <a:shade val="50000"/>
+            </a:schemeClr>
+          </a:lnRef>
+          <a:fillRef idx="1">
+            <a:schemeClr val="accent1"/>
+          </a:fillRef>
+          <a:effectRef idx="0">
+            <a:schemeClr val="accent1"/>
+          </a:effectRef>
+          <a:fontRef idx="minor">
+            <a:schemeClr val="lt1"/>
+          </a:fontRef>
+        </p:style>
+        <p:txBody>
+          <a:bodyPr rtlCol="0" anchor="ctr"/>
+          <a:lstStyle/>
+          <a:p>
+            <a:pPr algn="ctr"/>
+            <a:endParaRPr kumimoji="1" lang="ja-JP" altLang="en-US">
+              <a:solidFill>
+                <a:schemeClr val="tx1"/>
+              </a:solidFill>
+            </a:endParaRPr>
+          </a:p>
+        </p:txBody>
+      </p:sp>
+      <p:sp>
+        <p:nvSpPr>
+          <p:cNvPr id="5" name="正方形/長方形 4"/>
+          <p:cNvSpPr/>
+          <p:nvPr/>
+        </p:nvSpPr>
+        <p:spPr>
+          <a:xfrm>
+            <a:off x="2856978" y="3501008"/>
+            <a:ext cx="864096" cy="504056"/>
+          </a:xfrm>
+          <a:prstGeom prst="rect">
+            <a:avLst/>
+          </a:prstGeom>
+        </p:spPr>
+        <p:style>
+          <a:lnRef idx="2">
+            <a:schemeClr val="dk1"/>
+          </a:lnRef>
+          <a:fillRef idx="1">
+            <a:schemeClr val="lt1"/>
+          </a:fillRef>
+          <a:effectRef idx="0">
+            <a:schemeClr val="dk1"/>
+          </a:effectRef>
+          <a:fontRef idx="minor">
+            <a:schemeClr val="dk1"/>
+          </a:fontRef>
+        </p:style>
+        <p:txBody>
+          <a:bodyPr rtlCol="0" anchor="ctr"/>
+          <a:lstStyle/>
+          <a:p>
+            <a:pPr algn="ctr"/>
+            <a:endParaRPr kumimoji="1" lang="ja-JP" altLang="en-US"/>
+          </a:p>
+        </p:txBody>
+      </p:sp>
+      <p:cxnSp>
+        <p:nvCxnSpPr>
+          <p:cNvPr id="7" name="直線コネクタ 6"/>
+          <p:cNvCxnSpPr/>
+          <p:nvPr/>
+        </p:nvCxnSpPr>
+        <p:spPr>
+          <a:xfrm>
+            <a:off x="2856978" y="3501008"/>
+            <a:ext cx="432048" cy="252028"/>
+          </a:xfrm>
+          <a:prstGeom prst="line">
+            <a:avLst/>
+          </a:prstGeom>
+        </p:spPr>
+        <p:style>
+          <a:lnRef idx="2">
+            <a:schemeClr val="dk1"/>
+          </a:lnRef>
+          <a:fillRef idx="0">
+            <a:schemeClr val="dk1"/>
+          </a:fillRef>
+          <a:effectRef idx="1">
+            <a:schemeClr val="dk1"/>
+          </a:effectRef>
+          <a:fontRef idx="minor">
+            <a:schemeClr val="tx1"/>
+          </a:fontRef>
+        </p:style>
+      </p:cxnSp>
+      <p:cxnSp>
+        <p:nvCxnSpPr>
+          <p:cNvPr id="10" name="直線コネクタ 9"/>
+          <p:cNvCxnSpPr/>
+          <p:nvPr/>
+        </p:nvCxnSpPr>
+        <p:spPr>
+          <a:xfrm flipV="1">
+            <a:off x="3289026" y="3501008"/>
+            <a:ext cx="432048" cy="252028"/>
+          </a:xfrm>
+          <a:prstGeom prst="line">
+            <a:avLst/>
+          </a:prstGeom>
+        </p:spPr>
+        <p:style>
+          <a:lnRef idx="2">
+            <a:schemeClr val="dk1"/>
+          </a:lnRef>
+          <a:fillRef idx="0">
+            <a:schemeClr val="dk1"/>
+          </a:fillRef>
+          <a:effectRef idx="1">
+            <a:schemeClr val="dk1"/>
+          </a:effectRef>
+          <a:fontRef idx="minor">
+            <a:schemeClr val="tx1"/>
+          </a:fontRef>
+        </p:style>
+      </p:cxnSp>
+      <p:sp>
+        <p:nvSpPr>
+          <p:cNvPr id="13" name="曲折矢印 12"/>
+          <p:cNvSpPr/>
+          <p:nvPr/>
+        </p:nvSpPr>
+        <p:spPr>
+          <a:xfrm rot="10800000" flipH="1">
+            <a:off x="1416818" y="1946658"/>
+            <a:ext cx="792090" cy="1986398"/>
+          </a:xfrm>
+          <a:prstGeom prst="bentArrow">
+            <a:avLst>
+              <a:gd name="adj1" fmla="val 25000"/>
+              <a:gd name="adj2" fmla="val 26089"/>
+              <a:gd name="adj3" fmla="val 25000"/>
+              <a:gd name="adj4" fmla="val 40483"/>
+            </a:avLst>
+          </a:prstGeom>
+        </p:spPr>
+        <p:style>
+          <a:lnRef idx="2">
+            <a:schemeClr val="accent1">
+              <a:shade val="50000"/>
+            </a:schemeClr>
+          </a:lnRef>
+          <a:fillRef idx="1">
+            <a:schemeClr val="accent1"/>
+          </a:fillRef>
+          <a:effectRef idx="0">
+            <a:schemeClr val="accent1"/>
+          </a:effectRef>
+          <a:fontRef idx="minor">
+            <a:schemeClr val="lt1"/>
+          </a:fontRef>
+        </p:style>
+        <p:txBody>
+          <a:bodyPr rtlCol="0" anchor="ctr"/>
+          <a:lstStyle/>
+          <a:p>
+            <a:pPr algn="ctr"/>
+            <a:endParaRPr kumimoji="1" lang="ja-JP" altLang="en-US">
+              <a:solidFill>
+                <a:schemeClr val="tx1"/>
+              </a:solidFill>
+            </a:endParaRPr>
+          </a:p>
+        </p:txBody>
+      </p:sp>
+      <p:sp>
+        <p:nvSpPr>
+          <p:cNvPr id="11" name="角丸四角形吹き出し 10"/>
+          <p:cNvSpPr/>
+          <p:nvPr/>
+        </p:nvSpPr>
+        <p:spPr>
+          <a:xfrm>
+            <a:off x="3923928" y="344289"/>
+            <a:ext cx="2016224" cy="864096"/>
+          </a:xfrm>
+          <a:prstGeom prst="wedgeRoundRectCallout">
+            <a:avLst>
+              <a:gd name="adj1" fmla="val -70891"/>
+              <a:gd name="adj2" fmla="val 14581"/>
+              <a:gd name="adj3" fmla="val 16667"/>
+            </a:avLst>
+          </a:prstGeom>
+        </p:spPr>
+        <p:style>
+          <a:lnRef idx="2">
+            <a:schemeClr val="accent6">
+              <a:shade val="50000"/>
+            </a:schemeClr>
+          </a:lnRef>
+          <a:fillRef idx="1">
+            <a:schemeClr val="accent6"/>
+          </a:fillRef>
+          <a:effectRef idx="0">
+            <a:schemeClr val="accent6"/>
+          </a:effectRef>
+          <a:fontRef idx="minor">
+            <a:schemeClr val="lt1"/>
+          </a:fontRef>
+        </p:style>
+        <p:txBody>
+          <a:bodyPr rtlCol="0" anchor="ctr"/>
+          <a:lstStyle/>
+          <a:p>
+            <a:pPr algn="ctr"/>
+            <a:r>
+              <a:rPr kumimoji="1" lang="en-US" altLang="ja-JP" smtClean="0"/>
+              <a:t>generate token and secret</a:t>
+            </a:r>
+            <a:endParaRPr kumimoji="1" lang="ja-JP" altLang="en-US"/>
+          </a:p>
+        </p:txBody>
+      </p:sp>
+      <p:sp>
+        <p:nvSpPr>
+          <p:cNvPr id="15" name="角丸四角形吹き出し 14"/>
+          <p:cNvSpPr/>
+          <p:nvPr/>
+        </p:nvSpPr>
+        <p:spPr>
+          <a:xfrm>
+            <a:off x="6012160" y="2399798"/>
+            <a:ext cx="1834053" cy="558062"/>
+          </a:xfrm>
+          <a:prstGeom prst="wedgeRoundRectCallout">
+            <a:avLst>
+              <a:gd name="adj1" fmla="val -70891"/>
+              <a:gd name="adj2" fmla="val 14581"/>
+              <a:gd name="adj3" fmla="val 16667"/>
+            </a:avLst>
+          </a:prstGeom>
+        </p:spPr>
+        <p:style>
+          <a:lnRef idx="2">
+            <a:schemeClr val="accent6">
+              <a:shade val="50000"/>
+            </a:schemeClr>
+          </a:lnRef>
+          <a:fillRef idx="1">
+            <a:schemeClr val="accent6"/>
+          </a:fillRef>
+          <a:effectRef idx="0">
+            <a:schemeClr val="accent6"/>
+          </a:effectRef>
+          <a:fontRef idx="minor">
+            <a:schemeClr val="lt1"/>
+          </a:fontRef>
+        </p:style>
+        <p:txBody>
+          <a:bodyPr rtlCol="0" anchor="ctr"/>
+          <a:lstStyle/>
+          <a:p>
+            <a:pPr algn="ctr"/>
+            <a:r>
+              <a:rPr kumimoji="1" lang="en-US" altLang="ja-JP" smtClean="0"/>
+              <a:t>show the secret</a:t>
+            </a:r>
+            <a:endParaRPr kumimoji="1" lang="ja-JP" altLang="en-US"/>
+          </a:p>
+        </p:txBody>
+      </p:sp>
+      <p:sp>
+        <p:nvSpPr>
+          <p:cNvPr id="16" name="角丸四角形吹き出し 15"/>
+          <p:cNvSpPr/>
+          <p:nvPr/>
+        </p:nvSpPr>
+        <p:spPr>
+          <a:xfrm>
+            <a:off x="4139951" y="3573016"/>
+            <a:ext cx="2952329" cy="432048"/>
+          </a:xfrm>
+          <a:prstGeom prst="wedgeRoundRectCallout">
+            <a:avLst>
+              <a:gd name="adj1" fmla="val -60080"/>
+              <a:gd name="adj2" fmla="val 10588"/>
+              <a:gd name="adj3" fmla="val 16667"/>
+            </a:avLst>
+          </a:prstGeom>
+        </p:spPr>
+        <p:style>
+          <a:lnRef idx="2">
+            <a:schemeClr val="accent6">
+              <a:shade val="50000"/>
+            </a:schemeClr>
+          </a:lnRef>
+          <a:fillRef idx="1">
+            <a:schemeClr val="accent6"/>
+          </a:fillRef>
+          <a:effectRef idx="0">
+            <a:schemeClr val="accent6"/>
+          </a:effectRef>
+          <a:fontRef idx="minor">
+            <a:schemeClr val="lt1"/>
+          </a:fontRef>
+        </p:style>
+        <p:txBody>
+          <a:bodyPr rtlCol="0" anchor="ctr"/>
+          <a:lstStyle/>
+          <a:p>
+            <a:pPr algn="ctr"/>
+            <a:r>
+              <a:rPr kumimoji="1" lang="en-US" altLang="ja-JP" smtClean="0"/>
+              <a:t>send URL (token is included)</a:t>
+            </a:r>
+            <a:endParaRPr kumimoji="1" lang="ja-JP" altLang="en-US"/>
+          </a:p>
+        </p:txBody>
+      </p:sp>
+      <p:pic>
+        <p:nvPicPr>
+          <p:cNvPr id="17" name="Picture 3"/>
+          <p:cNvPicPr>
+            <a:picLocks noChangeAspect="1" noChangeArrowheads="1"/>
+          </p:cNvPicPr>
+          <p:nvPr/>
+        </p:nvPicPr>
+        <p:blipFill>
+          <a:blip r:embed="rId4">
+            <a:extLst>
+              <a:ext uri="{28A0092B-C50C-407E-A947-70E740481C1C}">
+                <a14:useLocalDpi xmlns:a14="http://schemas.microsoft.com/office/drawing/2010/main" val="0"/>
+              </a:ext>
+            </a:extLst>
+          </a:blip>
+          <a:srcRect/>
+          <a:stretch>
+            <a:fillRect/>
+          </a:stretch>
+        </p:blipFill>
+        <p:spPr bwMode="auto">
+          <a:xfrm>
+            <a:off x="434674" y="4581128"/>
+            <a:ext cx="3456384" cy="2143260"/>
+          </a:xfrm>
+          <a:prstGeom prst="rect">
+            <a:avLst/>
+          </a:prstGeom>
+          <a:noFill/>
+          <a:ln>
+            <a:noFill/>
+          </a:ln>
+          <a:extLst>
+            <a:ext uri="{909E8E84-426E-40DD-AFC4-6F175D3DCCD1}">
+              <a14:hiddenFill xmlns:a14="http://schemas.microsoft.com/office/drawing/2010/main">
+                <a:solidFill>
+                  <a:schemeClr val="accent1"/>
+                </a:solidFill>
+              </a14:hiddenFill>
+            </a:ext>
+            <a:ext uri="{91240B29-F687-4F45-9708-019B960494DF}">
+              <a14:hiddenLine xmlns:a14="http://schemas.microsoft.com/office/drawing/2010/main" w="9525">
+                <a:solidFill>
+                  <a:schemeClr val="tx1"/>
+                </a:solidFill>
+                <a:miter lim="800000"/>
+                <a:headEnd/>
+                <a:tailEnd/>
+              </a14:hiddenLine>
+            </a:ext>
+          </a:extLst>
+        </p:spPr>
+      </p:pic>
+      <p:pic>
+        <p:nvPicPr>
+          <p:cNvPr id="18" name="Picture 2"/>
+          <p:cNvPicPr>
+            <a:picLocks noChangeAspect="1" noChangeArrowheads="1"/>
+          </p:cNvPicPr>
+          <p:nvPr/>
+        </p:nvPicPr>
+        <p:blipFill>
+          <a:blip r:embed="rId5">
+            <a:extLst>
+              <a:ext uri="{28A0092B-C50C-407E-A947-70E740481C1C}">
+                <a14:useLocalDpi xmlns:a14="http://schemas.microsoft.com/office/drawing/2010/main" val="0"/>
+              </a:ext>
+            </a:extLst>
+          </a:blip>
+          <a:srcRect/>
+          <a:stretch>
+            <a:fillRect/>
+          </a:stretch>
+        </p:blipFill>
+        <p:spPr bwMode="auto">
+          <a:xfrm>
+            <a:off x="4283968" y="4725144"/>
+            <a:ext cx="3810000" cy="1266825"/>
+          </a:xfrm>
+          <a:prstGeom prst="rect">
+            <a:avLst/>
+          </a:prstGeom>
+          <a:noFill/>
+          <a:ln>
+            <a:noFill/>
+          </a:ln>
+          <a:extLst>
+            <a:ext uri="{909E8E84-426E-40DD-AFC4-6F175D3DCCD1}">
+              <a14:hiddenFill xmlns:a14="http://schemas.microsoft.com/office/drawing/2010/main">
+                <a:solidFill>
+                  <a:schemeClr val="accent1"/>
+                </a:solidFill>
+              </a14:hiddenFill>
+            </a:ext>
+            <a:ext uri="{91240B29-F687-4F45-9708-019B960494DF}">
+              <a14:hiddenLine xmlns:a14="http://schemas.microsoft.com/office/drawing/2010/main" w="9525">
+                <a:solidFill>
+                  <a:schemeClr val="tx1"/>
+                </a:solidFill>
+                <a:miter lim="800000"/>
+                <a:headEnd/>
+                <a:tailEnd/>
+              </a14:hiddenLine>
+            </a:ext>
+          </a:extLst>
+        </p:spPr>
+      </p:pic>
+      <p:cxnSp>
+        <p:nvCxnSpPr>
+          <p:cNvPr id="14" name="直線矢印コネクタ 13"/>
+          <p:cNvCxnSpPr/>
+          <p:nvPr/>
+        </p:nvCxnSpPr>
+        <p:spPr>
+          <a:xfrm flipH="1">
+            <a:off x="2418347" y="4149080"/>
+            <a:ext cx="750996" cy="421644"/>
+          </a:xfrm>
+          <a:prstGeom prst="straightConnector1">
+            <a:avLst/>
+          </a:prstGeom>
+          <a:ln w="57150">
+            <a:prstDash val="sysDash"/>
+            <a:tailEnd type="arrow"/>
+          </a:ln>
+        </p:spPr>
+        <p:style>
+          <a:lnRef idx="3">
+            <a:schemeClr val="accent1"/>
+          </a:lnRef>
+          <a:fillRef idx="0">
+            <a:schemeClr val="accent1"/>
+          </a:fillRef>
+          <a:effectRef idx="2">
+            <a:schemeClr val="accent1"/>
+          </a:effectRef>
+          <a:fontRef idx="minor">
+            <a:schemeClr val="tx1"/>
+          </a:fontRef>
+        </p:style>
+      </p:cxnSp>
+      <p:cxnSp>
+        <p:nvCxnSpPr>
+          <p:cNvPr id="23" name="直線矢印コネクタ 22"/>
+          <p:cNvCxnSpPr/>
+          <p:nvPr/>
+        </p:nvCxnSpPr>
+        <p:spPr>
+          <a:xfrm>
+            <a:off x="3419872" y="4149080"/>
+            <a:ext cx="864096" cy="421644"/>
+          </a:xfrm>
+          <a:prstGeom prst="straightConnector1">
+            <a:avLst/>
+          </a:prstGeom>
+          <a:ln w="57150">
+            <a:prstDash val="sysDash"/>
+            <a:tailEnd type="arrow"/>
+          </a:ln>
+        </p:spPr>
+        <p:style>
+          <a:lnRef idx="3">
+            <a:schemeClr val="accent1"/>
+          </a:lnRef>
+          <a:fillRef idx="0">
+            <a:schemeClr val="accent1"/>
+          </a:fillRef>
+          <a:effectRef idx="2">
+            <a:schemeClr val="accent1"/>
+          </a:effectRef>
+          <a:fontRef idx="minor">
+            <a:schemeClr val="tx1"/>
+          </a:fontRef>
+        </p:style>
+      </p:cxnSp>
+      <p:sp>
+        <p:nvSpPr>
+          <p:cNvPr id="25" name="円/楕円 24"/>
+          <p:cNvSpPr/>
+          <p:nvPr/>
+        </p:nvSpPr>
+        <p:spPr>
+          <a:xfrm>
+            <a:off x="3169343" y="3670152"/>
+            <a:ext cx="207398" cy="162018"/>
+          </a:xfrm>
+          <a:prstGeom prst="ellipse">
+            <a:avLst/>
+          </a:prstGeom>
+        </p:spPr>
+        <p:style>
+          <a:lnRef idx="2">
+            <a:schemeClr val="accent2">
+              <a:shade val="50000"/>
+            </a:schemeClr>
+          </a:lnRef>
+          <a:fillRef idx="1">
+            <a:schemeClr val="accent2"/>
+          </a:fillRef>
+          <a:effectRef idx="0">
+            <a:schemeClr val="accent2"/>
+          </a:effectRef>
+          <a:fontRef idx="minor">
+            <a:schemeClr val="lt1"/>
+          </a:fontRef>
+        </p:style>
+        <p:txBody>
+          <a:bodyPr rtlCol="0" anchor="ctr"/>
+          <a:lstStyle/>
+          <a:p>
+            <a:pPr algn="ctr"/>
+            <a:endParaRPr kumimoji="1" lang="ja-JP" altLang="en-US"/>
+          </a:p>
+        </p:txBody>
+      </p:sp>
+      <p:sp>
+        <p:nvSpPr>
+          <p:cNvPr id="30" name="角丸四角形吹き出し 29"/>
+          <p:cNvSpPr/>
+          <p:nvPr/>
+        </p:nvSpPr>
+        <p:spPr>
+          <a:xfrm>
+            <a:off x="4499992" y="4308718"/>
+            <a:ext cx="2678706" cy="405921"/>
           </a:xfrm>
           <a:prstGeom prst="wedgeRoundRectCallout">
             <a:avLst>
@@ -6336,8 +7696,105 @@
             <a:pPr algn="ctr"/>
             <a:r>
               <a:rPr kumimoji="1" lang="en-US" altLang="ja-JP" smtClean="0"/>
-              <a:t>too many times</a:t>
-            </a:r>
+              <a:t>token has been expired</a:t>
+            </a:r>
+            <a:endParaRPr kumimoji="1" lang="ja-JP" altLang="en-US"/>
+          </a:p>
+        </p:txBody>
+      </p:sp>
+      <p:sp>
+        <p:nvSpPr>
+          <p:cNvPr id="32" name="角丸四角形吹き出し 31"/>
+          <p:cNvSpPr/>
+          <p:nvPr/>
+        </p:nvSpPr>
+        <p:spPr>
+          <a:xfrm>
+            <a:off x="552723" y="4117715"/>
+            <a:ext cx="1617045" cy="405921"/>
+          </a:xfrm>
+          <a:prstGeom prst="wedgeRoundRectCallout">
+            <a:avLst>
+              <a:gd name="adj1" fmla="val 62719"/>
+              <a:gd name="adj2" fmla="val 34479"/>
+              <a:gd name="adj3" fmla="val 16667"/>
+            </a:avLst>
+          </a:prstGeom>
+        </p:spPr>
+        <p:style>
+          <a:lnRef idx="2">
+            <a:schemeClr val="accent6">
+              <a:shade val="50000"/>
+            </a:schemeClr>
+          </a:lnRef>
+          <a:fillRef idx="1">
+            <a:schemeClr val="accent6"/>
+          </a:fillRef>
+          <a:effectRef idx="0">
+            <a:schemeClr val="accent6"/>
+          </a:effectRef>
+          <a:fontRef idx="minor">
+            <a:schemeClr val="lt1"/>
+          </a:fontRef>
+        </p:style>
+        <p:txBody>
+          <a:bodyPr rtlCol="0" anchor="ctr"/>
+          <a:lstStyle/>
+          <a:p>
+            <a:pPr algn="ctr"/>
+            <a:r>
+              <a:rPr kumimoji="1" lang="en-US" altLang="ja-JP" smtClean="0"/>
+              <a:t>token is valid</a:t>
+            </a:r>
+            <a:endParaRPr kumimoji="1" lang="ja-JP" altLang="en-US"/>
+          </a:p>
+        </p:txBody>
+      </p:sp>
+      <p:sp>
+        <p:nvSpPr>
+          <p:cNvPr id="2" name="フローチャート: 処理 1"/>
+          <p:cNvSpPr/>
+          <p:nvPr/>
+        </p:nvSpPr>
+        <p:spPr>
+          <a:xfrm>
+            <a:off x="434674" y="4077072"/>
+            <a:ext cx="7809734" cy="2647316"/>
+          </a:xfrm>
+          <a:prstGeom prst="flowChartProcess">
+            <a:avLst/>
+          </a:prstGeom>
+          <a:noFill/>
+          <a:ln w="57150">
+            <a:prstDash val="dash"/>
+          </a:ln>
+          <a:effectLst>
+            <a:outerShdw blurRad="50800" dist="38100" dir="2700000" algn="tl" rotWithShape="0">
+              <a:prstClr val="black">
+                <a:alpha val="40000"/>
+              </a:prstClr>
+            </a:outerShdw>
+          </a:effectLst>
+        </p:spPr>
+        <p:style>
+          <a:lnRef idx="2">
+            <a:schemeClr val="accent2"/>
+          </a:lnRef>
+          <a:fillRef idx="1">
+            <a:schemeClr val="lt1"/>
+          </a:fillRef>
+          <a:effectRef idx="0">
+            <a:schemeClr val="accent2"/>
+          </a:effectRef>
+          <a:fontRef idx="minor">
+            <a:schemeClr val="dk1"/>
+          </a:fontRef>
+        </p:style>
+        <p:txBody>
+          <a:bodyPr rtlCol="0" anchor="ctr"/>
+          <a:lstStyle/>
+          <a:p>
+            <a:pPr algn="ctr"/>
             <a:endParaRPr kumimoji="1" lang="ja-JP" altLang="en-US"/>
           </a:p>
         </p:txBody>
@@ -6345,7 +7802,281 @@
     </p:spTree>
     <p:extLst>
       <p:ext uri="{BB962C8B-B14F-4D97-AF65-F5344CB8AC3E}">
-        <p14:creationId xmlns:p14="http://schemas.microsoft.com/office/powerpoint/2010/main" val="3210153226"/>
+        <p14:creationId xmlns:p14="http://schemas.microsoft.com/office/powerpoint/2010/main" val="2746622134"/>
+      </p:ext>
+    </p:extLst>
+  </p:cSld>
+  <p:clrMapOvr>
+    <a:masterClrMapping/>
+  </p:clrMapOvr>
+</p:sld>
+</file>
+
+<file path=ppt/slides/slide13.xml><?xml version="1.0" encoding="utf-8"?>
+<p:sld xmlns:a="http://schemas.openxmlformats.org/drawingml/2006/main" xmlns:r="http://schemas.openxmlformats.org/officeDocument/2006/relationships" xmlns:p="http://schemas.openxmlformats.org/presentationml/2006/main">
+  <p:cSld>
+    <p:spTree>
+      <p:nvGrpSpPr>
+        <p:cNvPr id="1" name=""/>
+        <p:cNvGrpSpPr/>
+        <p:nvPr/>
+      </p:nvGrpSpPr>
+      <p:grpSpPr>
+        <a:xfrm>
+          <a:off x="0" y="0"/>
+          <a:ext cx="0" cy="0"/>
+          <a:chOff x="0" y="0"/>
+          <a:chExt cx="0" cy="0"/>
+        </a:xfrm>
+      </p:grpSpPr>
+      <p:pic>
+        <p:nvPicPr>
+          <p:cNvPr id="1027" name="Picture 3"/>
+          <p:cNvPicPr>
+            <a:picLocks noChangeAspect="1" noChangeArrowheads="1"/>
+          </p:cNvPicPr>
+          <p:nvPr/>
+        </p:nvPicPr>
+        <p:blipFill>
+          <a:blip r:embed="rId2">
+            <a:extLst>
+              <a:ext uri="{28A0092B-C50C-407E-A947-70E740481C1C}">
+                <a14:useLocalDpi xmlns:a14="http://schemas.microsoft.com/office/drawing/2010/main" val="0"/>
+              </a:ext>
+            </a:extLst>
+          </a:blip>
+          <a:srcRect/>
+          <a:stretch>
+            <a:fillRect/>
+          </a:stretch>
+        </p:blipFill>
+        <p:spPr bwMode="auto">
+          <a:xfrm>
+            <a:off x="2051719" y="4362373"/>
+            <a:ext cx="4243329" cy="1800200"/>
+          </a:xfrm>
+          <a:prstGeom prst="rect">
+            <a:avLst/>
+          </a:prstGeom>
+          <a:noFill/>
+          <a:ln>
+            <a:noFill/>
+          </a:ln>
+          <a:extLst>
+            <a:ext uri="{909E8E84-426E-40DD-AFC4-6F175D3DCCD1}">
+              <a14:hiddenFill xmlns:a14="http://schemas.microsoft.com/office/drawing/2010/main">
+                <a:solidFill>
+                  <a:schemeClr val="accent1"/>
+                </a:solidFill>
+              </a14:hiddenFill>
+            </a:ext>
+            <a:ext uri="{91240B29-F687-4F45-9708-019B960494DF}">
+              <a14:hiddenLine xmlns:a14="http://schemas.microsoft.com/office/drawing/2010/main" w="9525">
+                <a:solidFill>
+                  <a:schemeClr val="tx1"/>
+                </a:solidFill>
+                <a:miter lim="800000"/>
+                <a:headEnd/>
+                <a:tailEnd/>
+              </a14:hiddenLine>
+            </a:ext>
+          </a:extLst>
+        </p:spPr>
+      </p:pic>
+      <p:pic>
+        <p:nvPicPr>
+          <p:cNvPr id="8194" name="Picture 2"/>
+          <p:cNvPicPr>
+            <a:picLocks noChangeAspect="1" noChangeArrowheads="1"/>
+          </p:cNvPicPr>
+          <p:nvPr/>
+        </p:nvPicPr>
+        <p:blipFill>
+          <a:blip r:embed="rId3">
+            <a:extLst>
+              <a:ext uri="{28A0092B-C50C-407E-A947-70E740481C1C}">
+                <a14:useLocalDpi xmlns:a14="http://schemas.microsoft.com/office/drawing/2010/main" val="0"/>
+              </a:ext>
+            </a:extLst>
+          </a:blip>
+          <a:srcRect/>
+          <a:stretch>
+            <a:fillRect/>
+          </a:stretch>
+        </p:blipFill>
+        <p:spPr bwMode="auto">
+          <a:xfrm>
+            <a:off x="2051720" y="620688"/>
+            <a:ext cx="4219575" cy="3076575"/>
+          </a:xfrm>
+          <a:prstGeom prst="rect">
+            <a:avLst/>
+          </a:prstGeom>
+          <a:noFill/>
+          <a:ln>
+            <a:noFill/>
+          </a:ln>
+          <a:extLst>
+            <a:ext uri="{909E8E84-426E-40DD-AFC4-6F175D3DCCD1}">
+              <a14:hiddenFill xmlns:a14="http://schemas.microsoft.com/office/drawing/2010/main">
+                <a:solidFill>
+                  <a:schemeClr val="accent1"/>
+                </a:solidFill>
+              </a14:hiddenFill>
+            </a:ext>
+            <a:ext uri="{91240B29-F687-4F45-9708-019B960494DF}">
+              <a14:hiddenLine xmlns:a14="http://schemas.microsoft.com/office/drawing/2010/main" w="9525">
+                <a:solidFill>
+                  <a:schemeClr val="tx1"/>
+                </a:solidFill>
+                <a:miter lim="800000"/>
+                <a:headEnd/>
+                <a:tailEnd/>
+              </a14:hiddenLine>
+            </a:ext>
+          </a:extLst>
+        </p:spPr>
+      </p:pic>
+      <p:sp>
+        <p:nvSpPr>
+          <p:cNvPr id="6" name="下矢印 5"/>
+          <p:cNvSpPr/>
+          <p:nvPr/>
+        </p:nvSpPr>
+        <p:spPr>
+          <a:xfrm>
+            <a:off x="3801467" y="3827651"/>
+            <a:ext cx="720080" cy="561642"/>
+          </a:xfrm>
+          <a:prstGeom prst="downArrow">
+            <a:avLst/>
+          </a:prstGeom>
+        </p:spPr>
+        <p:style>
+          <a:lnRef idx="2">
+            <a:schemeClr val="accent1">
+              <a:shade val="50000"/>
+            </a:schemeClr>
+          </a:lnRef>
+          <a:fillRef idx="1">
+            <a:schemeClr val="accent1"/>
+          </a:fillRef>
+          <a:effectRef idx="0">
+            <a:schemeClr val="accent1"/>
+          </a:effectRef>
+          <a:fontRef idx="minor">
+            <a:schemeClr val="lt1"/>
+          </a:fontRef>
+        </p:style>
+        <p:txBody>
+          <a:bodyPr rtlCol="0" anchor="ctr"/>
+          <a:lstStyle/>
+          <a:p>
+            <a:pPr algn="ctr"/>
+            <a:endParaRPr kumimoji="1" lang="ja-JP" altLang="en-US"/>
+          </a:p>
+        </p:txBody>
+      </p:sp>
+      <p:sp>
+        <p:nvSpPr>
+          <p:cNvPr id="7" name="角丸四角形吹き出し 6"/>
+          <p:cNvSpPr/>
+          <p:nvPr/>
+        </p:nvSpPr>
+        <p:spPr>
+          <a:xfrm>
+            <a:off x="5940152" y="4401781"/>
+            <a:ext cx="2232248" cy="560443"/>
+          </a:xfrm>
+          <a:prstGeom prst="wedgeRoundRectCallout">
+            <a:avLst>
+              <a:gd name="adj1" fmla="val -58379"/>
+              <a:gd name="adj2" fmla="val -8024"/>
+              <a:gd name="adj3" fmla="val 16667"/>
+            </a:avLst>
+          </a:prstGeom>
+        </p:spPr>
+        <p:style>
+          <a:lnRef idx="2">
+            <a:schemeClr val="accent6">
+              <a:shade val="50000"/>
+            </a:schemeClr>
+          </a:lnRef>
+          <a:fillRef idx="1">
+            <a:schemeClr val="accent6"/>
+          </a:fillRef>
+          <a:effectRef idx="0">
+            <a:schemeClr val="accent6"/>
+          </a:effectRef>
+          <a:fontRef idx="minor">
+            <a:schemeClr val="lt1"/>
+          </a:fontRef>
+        </p:style>
+        <p:txBody>
+          <a:bodyPr rtlCol="0" anchor="ctr"/>
+          <a:lstStyle/>
+          <a:p>
+            <a:pPr algn="ctr"/>
+            <a:r>
+              <a:rPr lang="en-US" altLang="ja-JP" smtClean="0"/>
+              <a:t>the URL has been invalidated</a:t>
+            </a:r>
+            <a:endParaRPr kumimoji="1" lang="ja-JP" altLang="en-US"/>
+          </a:p>
+        </p:txBody>
+      </p:sp>
+      <p:sp>
+        <p:nvSpPr>
+          <p:cNvPr id="8" name="角丸四角形吹き出し 7"/>
+          <p:cNvSpPr/>
+          <p:nvPr/>
+        </p:nvSpPr>
+        <p:spPr>
+          <a:xfrm>
+            <a:off x="6257294" y="1196752"/>
+            <a:ext cx="2059122" cy="405921"/>
+          </a:xfrm>
+          <a:prstGeom prst="wedgeRoundRectCallout">
+            <a:avLst>
+              <a:gd name="adj1" fmla="val -58379"/>
+              <a:gd name="adj2" fmla="val -8024"/>
+              <a:gd name="adj3" fmla="val 16667"/>
+            </a:avLst>
+          </a:prstGeom>
+        </p:spPr>
+        <p:style>
+          <a:lnRef idx="2">
+            <a:schemeClr val="accent6">
+              <a:shade val="50000"/>
+            </a:schemeClr>
+          </a:lnRef>
+          <a:fillRef idx="1">
+            <a:schemeClr val="accent6"/>
+          </a:fillRef>
+          <a:effectRef idx="0">
+            <a:schemeClr val="accent6"/>
+          </a:effectRef>
+          <a:fontRef idx="minor">
+            <a:schemeClr val="lt1"/>
+          </a:fontRef>
+        </p:style>
+        <p:txBody>
+          <a:bodyPr rtlCol="0" anchor="ctr"/>
+          <a:lstStyle/>
+          <a:p>
+            <a:pPr algn="ctr"/>
+            <a:r>
+              <a:rPr kumimoji="1" lang="en-US" altLang="ja-JP" smtClean="0"/>
+              <a:t>too many times</a:t>
+            </a:r>
+            <a:endParaRPr kumimoji="1" lang="ja-JP" altLang="en-US"/>
+          </a:p>
+        </p:txBody>
+      </p:sp>
+    </p:spTree>
+    <p:extLst>
+      <p:ext uri="{BB962C8B-B14F-4D97-AF65-F5344CB8AC3E}">
+        <p14:creationId xmlns:p14="http://schemas.microsoft.com/office/powerpoint/2010/main" val="2388906121"/>
       </p:ext>
     </p:extLst>
   </p:cSld>

--- a/source/Security/images_SecureLoginDemo/materialSecureLoginDemo.pptx
+++ b/source/Security/images_SecureLoginDemo/materialSecureLoginDemo.pptx
@@ -9629,7 +9629,7 @@
         </p:nvSpPr>
         <p:spPr>
           <a:xfrm>
-            <a:off x="641528" y="1753697"/>
+            <a:off x="677488" y="1114426"/>
             <a:ext cx="2130272" cy="2006970"/>
           </a:xfrm>
           <a:prstGeom prst="rect">
@@ -9667,8 +9667,8 @@
         </p:nvSpPr>
         <p:spPr>
           <a:xfrm>
-            <a:off x="611560" y="1772816"/>
-            <a:ext cx="2232248" cy="369332"/>
+            <a:off x="719528" y="1133545"/>
+            <a:ext cx="2160240" cy="369332"/>
           </a:xfrm>
           <a:prstGeom prst="rect">
             <a:avLst/>
@@ -9683,7 +9683,7 @@
           <a:p>
             <a:r>
               <a:rPr kumimoji="1" lang="en-US" altLang="ja-JP" smtClean="0"/>
-              <a:t>(1) </a:t>
+              <a:t> </a:t>
             </a:r>
             <a:r>
               <a:rPr kumimoji="1" lang="en-US" altLang="ja-JP" err="1" smtClean="0"/>
@@ -9701,7 +9701,7 @@
         </p:nvSpPr>
         <p:spPr>
           <a:xfrm>
-            <a:off x="5364088" y="1228630"/>
+            <a:off x="5508104" y="982994"/>
             <a:ext cx="1944216" cy="3024336"/>
           </a:xfrm>
           <a:prstGeom prst="rect">
@@ -9739,8 +9739,8 @@
         </p:nvSpPr>
         <p:spPr>
           <a:xfrm>
-            <a:off x="5436096" y="1228630"/>
-            <a:ext cx="1872208" cy="369332"/>
+            <a:off x="5724128" y="982994"/>
+            <a:ext cx="1656184" cy="369332"/>
           </a:xfrm>
           <a:prstGeom prst="rect">
             <a:avLst/>
@@ -9755,52 +9755,12 @@
           <a:p>
             <a:r>
               <a:rPr kumimoji="1" lang="en-US" altLang="ja-JP" smtClean="0"/>
-              <a:t>(2) </a:t>
-            </a:r>
-            <a:r>
-              <a:rPr kumimoji="1" lang="en-US" altLang="ja-JP" err="1" smtClean="0"/>
               <a:t>PasswordData</a:t>
             </a:r>
             <a:endParaRPr kumimoji="1" lang="ja-JP" altLang="en-US"/>
           </a:p>
         </p:txBody>
       </p:sp>
-      <p:cxnSp>
-        <p:nvCxnSpPr>
-          <p:cNvPr id="21" name="直線矢印コネクタ 20"/>
-          <p:cNvCxnSpPr>
-            <a:stCxn id="4" idx="3"/>
-            <a:endCxn id="11" idx="1"/>
-          </p:cNvCxnSpPr>
-          <p:nvPr/>
-        </p:nvCxnSpPr>
-        <p:spPr>
-          <a:xfrm flipV="1">
-            <a:off x="2771800" y="2740798"/>
-            <a:ext cx="2592288" cy="16384"/>
-          </a:xfrm>
-          <a:prstGeom prst="straightConnector1">
-            <a:avLst/>
-          </a:prstGeom>
-          <a:ln>
-            <a:tailEnd type="arrow"/>
-          </a:ln>
-        </p:spPr>
-        <p:style>
-          <a:lnRef idx="2">
-            <a:schemeClr val="dk1"/>
-          </a:lnRef>
-          <a:fillRef idx="0">
-            <a:schemeClr val="dk1"/>
-          </a:fillRef>
-          <a:effectRef idx="1">
-            <a:schemeClr val="dk1"/>
-          </a:effectRef>
-          <a:fontRef idx="minor">
-            <a:schemeClr val="tx1"/>
-          </a:fontRef>
-        </p:style>
-      </p:cxnSp>
       <p:sp>
         <p:nvSpPr>
           <p:cNvPr id="23" name="テキスト ボックス 22"/>
@@ -9809,7 +9769,7 @@
         </p:nvSpPr>
         <p:spPr>
           <a:xfrm>
-            <a:off x="3491880" y="4365104"/>
+            <a:off x="5724128" y="4869160"/>
             <a:ext cx="1512168" cy="369332"/>
           </a:xfrm>
           <a:prstGeom prst="rect">
@@ -9836,12 +9796,9 @@
           </a:bodyPr>
           <a:lstStyle/>
           <a:p>
+            <a:pPr algn="ctr"/>
             <a:r>
               <a:rPr kumimoji="1" lang="en-US" altLang="ja-JP" smtClean="0"/>
-              <a:t>(4) </a:t>
-            </a:r>
-            <a:r>
-              <a:rPr kumimoji="1" lang="en-US" altLang="ja-JP" err="1" smtClean="0"/>
               <a:t>RuleResult</a:t>
             </a:r>
             <a:endParaRPr kumimoji="1" lang="ja-JP" altLang="en-US"/>
@@ -9856,7 +9813,7 @@
         </p:nvSpPr>
         <p:spPr>
           <a:xfrm>
-            <a:off x="5580112" y="1658811"/>
+            <a:off x="5724128" y="1413175"/>
             <a:ext cx="1440160" cy="361907"/>
           </a:xfrm>
           <a:prstGeom prst="roundRect">
@@ -9906,7 +9863,7 @@
         </p:nvSpPr>
         <p:spPr>
           <a:xfrm>
-            <a:off x="5580112" y="2164734"/>
+            <a:off x="5724128" y="1919098"/>
             <a:ext cx="1440160" cy="361907"/>
           </a:xfrm>
           <a:prstGeom prst="roundRect">
@@ -9956,7 +9913,7 @@
         </p:nvSpPr>
         <p:spPr>
           <a:xfrm>
-            <a:off x="5580112" y="2646497"/>
+            <a:off x="5724128" y="2400861"/>
             <a:ext cx="1440160" cy="1534461"/>
           </a:xfrm>
           <a:prstGeom prst="roundRect">
@@ -10002,7 +9959,7 @@
         </p:nvSpPr>
         <p:spPr>
           <a:xfrm>
-            <a:off x="5724128" y="2801684"/>
+            <a:off x="5868144" y="2556048"/>
             <a:ext cx="1152128" cy="371162"/>
           </a:xfrm>
           <a:prstGeom prst="rect">
@@ -10044,7 +10001,7 @@
         </p:nvSpPr>
         <p:spPr>
           <a:xfrm>
-            <a:off x="5724128" y="3244854"/>
+            <a:off x="5868144" y="2999218"/>
             <a:ext cx="1152128" cy="371162"/>
           </a:xfrm>
           <a:prstGeom prst="rect">
@@ -10086,7 +10043,7 @@
         </p:nvSpPr>
         <p:spPr>
           <a:xfrm>
-            <a:off x="5724128" y="3665780"/>
+            <a:off x="5868144" y="3420144"/>
             <a:ext cx="1152128" cy="371162"/>
           </a:xfrm>
           <a:prstGeom prst="rect">
@@ -10128,7 +10085,7 @@
         </p:nvSpPr>
         <p:spPr>
           <a:xfrm>
-            <a:off x="827584" y="2276872"/>
+            <a:off x="863544" y="1637601"/>
             <a:ext cx="1728192" cy="1368152"/>
           </a:xfrm>
           <a:prstGeom prst="roundRect">
@@ -10174,7 +10131,7 @@
         </p:nvSpPr>
         <p:spPr>
           <a:xfrm>
-            <a:off x="1051992" y="3212976"/>
+            <a:off x="1087952" y="2573705"/>
             <a:ext cx="1287760" cy="288032"/>
           </a:xfrm>
           <a:prstGeom prst="rect">
@@ -10216,7 +10173,7 @@
         </p:nvSpPr>
         <p:spPr>
           <a:xfrm>
-            <a:off x="1047541" y="2852936"/>
+            <a:off x="1083501" y="2213665"/>
             <a:ext cx="1287760" cy="288032"/>
           </a:xfrm>
           <a:prstGeom prst="rect">
@@ -10258,7 +10215,7 @@
         </p:nvSpPr>
         <p:spPr>
           <a:xfrm>
-            <a:off x="1047541" y="2420888"/>
+            <a:off x="1083501" y="1781617"/>
             <a:ext cx="1287760" cy="324969"/>
           </a:xfrm>
           <a:prstGeom prst="rect">
@@ -10292,87 +10249,16 @@
           </a:p>
         </p:txBody>
       </p:sp>
-      <p:cxnSp>
-        <p:nvCxnSpPr>
-          <p:cNvPr id="33" name="直線矢印コネクタ 32"/>
-          <p:cNvCxnSpPr>
-            <a:endCxn id="23" idx="0"/>
-          </p:cNvCxnSpPr>
-          <p:nvPr/>
-        </p:nvCxnSpPr>
-        <p:spPr>
-          <a:xfrm flipH="1">
-            <a:off x="4247964" y="2740798"/>
-            <a:ext cx="7492" cy="1624306"/>
-          </a:xfrm>
-          <a:prstGeom prst="straightConnector1">
-            <a:avLst/>
-          </a:prstGeom>
-          <a:ln>
-            <a:tailEnd type="arrow"/>
-          </a:ln>
-        </p:spPr>
-        <p:style>
-          <a:lnRef idx="2">
-            <a:schemeClr val="dk1"/>
-          </a:lnRef>
-          <a:fillRef idx="0">
-            <a:schemeClr val="dk1"/>
-          </a:fillRef>
-          <a:effectRef idx="1">
-            <a:schemeClr val="dk1"/>
-          </a:effectRef>
-          <a:fontRef idx="minor">
-            <a:schemeClr val="tx1"/>
-          </a:fontRef>
-        </p:style>
-      </p:cxnSp>
-      <p:cxnSp>
-        <p:nvCxnSpPr>
-          <p:cNvPr id="36" name="カギ線コネクタ 35"/>
-          <p:cNvCxnSpPr>
-            <a:stCxn id="4" idx="2"/>
-            <a:endCxn id="23" idx="1"/>
-          </p:cNvCxnSpPr>
-          <p:nvPr/>
-        </p:nvCxnSpPr>
-        <p:spPr>
-          <a:xfrm rot="16200000" flipH="1">
-            <a:off x="2204721" y="3262610"/>
-            <a:ext cx="789103" cy="1785216"/>
-          </a:xfrm>
-          <a:prstGeom prst="bentConnector2">
-            <a:avLst/>
-          </a:prstGeom>
-          <a:ln>
-            <a:tailEnd type="arrow"/>
-          </a:ln>
-        </p:spPr>
-        <p:style>
-          <a:lnRef idx="2">
-            <a:schemeClr val="dk1"/>
-          </a:lnRef>
-          <a:fillRef idx="0">
-            <a:schemeClr val="dk1"/>
-          </a:fillRef>
-          <a:effectRef idx="1">
-            <a:schemeClr val="dk1"/>
-          </a:effectRef>
-          <a:fontRef idx="minor">
-            <a:schemeClr val="tx1"/>
-          </a:fontRef>
-        </p:style>
-      </p:cxnSp>
-      <p:sp>
-        <p:nvSpPr>
-          <p:cNvPr id="42" name="テキスト ボックス 41"/>
+      <p:sp>
+        <p:nvSpPr>
+          <p:cNvPr id="6" name="テキスト ボックス 5"/>
           <p:cNvSpPr txBox="1"/>
           <p:nvPr/>
         </p:nvSpPr>
         <p:spPr>
           <a:xfrm>
-            <a:off x="2822788" y="2341975"/>
-            <a:ext cx="1656184" cy="369332"/>
+            <a:off x="257149" y="692696"/>
+            <a:ext cx="3084998" cy="369332"/>
           </a:xfrm>
           <a:prstGeom prst="rect">
             <a:avLst/>
@@ -10387,22 +10273,22 @@
           <a:p>
             <a:r>
               <a:rPr kumimoji="1" lang="en-US" altLang="ja-JP" smtClean="0"/>
-              <a:t>(3) validate</a:t>
-            </a:r>
-            <a:endParaRPr kumimoji="1" lang="ja-JP" altLang="en-US"/>
-          </a:p>
-        </p:txBody>
-      </p:sp>
-      <p:sp>
-        <p:nvSpPr>
-          <p:cNvPr id="44" name="テキスト ボックス 43"/>
+              <a:t>(1) prepare PasswordValidator</a:t>
+            </a:r>
+            <a:endParaRPr kumimoji="1" lang="ja-JP" altLang="en-US"/>
+          </a:p>
+        </p:txBody>
+      </p:sp>
+      <p:sp>
+        <p:nvSpPr>
+          <p:cNvPr id="28" name="テキスト ボックス 27"/>
           <p:cNvSpPr txBox="1"/>
           <p:nvPr/>
         </p:nvSpPr>
         <p:spPr>
           <a:xfrm>
-            <a:off x="1547664" y="4581128"/>
-            <a:ext cx="1785216" cy="369332"/>
+            <a:off x="5256076" y="548680"/>
+            <a:ext cx="2376264" cy="369332"/>
           </a:xfrm>
           <a:prstGeom prst="rect">
             <a:avLst/>
@@ -10417,11 +10303,255 @@
           <a:p>
             <a:r>
               <a:rPr kumimoji="1" lang="en-US" altLang="ja-JP" smtClean="0"/>
-              <a:t>(5) </a:t>
-            </a:r>
-            <a:r>
-              <a:rPr kumimoji="1" lang="en-US" altLang="ja-JP" err="1" smtClean="0"/>
-              <a:t>getMessages</a:t>
+              <a:t>(2) make PasswordData</a:t>
+            </a:r>
+            <a:endParaRPr kumimoji="1" lang="ja-JP" altLang="en-US"/>
+          </a:p>
+        </p:txBody>
+      </p:sp>
+      <p:sp>
+        <p:nvSpPr>
+          <p:cNvPr id="7" name="右矢印 6"/>
+          <p:cNvSpPr/>
+          <p:nvPr/>
+        </p:nvSpPr>
+        <p:spPr>
+          <a:xfrm>
+            <a:off x="3203848" y="1944101"/>
+            <a:ext cx="1944216" cy="269564"/>
+          </a:xfrm>
+          <a:prstGeom prst="rightArrow">
+            <a:avLst/>
+          </a:prstGeom>
+        </p:spPr>
+        <p:style>
+          <a:lnRef idx="2">
+            <a:schemeClr val="accent1">
+              <a:shade val="50000"/>
+            </a:schemeClr>
+          </a:lnRef>
+          <a:fillRef idx="1">
+            <a:schemeClr val="accent1"/>
+          </a:fillRef>
+          <a:effectRef idx="0">
+            <a:schemeClr val="accent1"/>
+          </a:effectRef>
+          <a:fontRef idx="minor">
+            <a:schemeClr val="lt1"/>
+          </a:fontRef>
+        </p:style>
+        <p:txBody>
+          <a:bodyPr rtlCol="0" anchor="ctr"/>
+          <a:lstStyle/>
+          <a:p>
+            <a:pPr algn="ctr"/>
+            <a:endParaRPr kumimoji="1" lang="ja-JP" altLang="en-US"/>
+          </a:p>
+        </p:txBody>
+      </p:sp>
+      <p:sp>
+        <p:nvSpPr>
+          <p:cNvPr id="29" name="テキスト ボックス 28"/>
+          <p:cNvSpPr txBox="1"/>
+          <p:nvPr/>
+        </p:nvSpPr>
+        <p:spPr>
+          <a:xfrm>
+            <a:off x="2501748" y="4571836"/>
+            <a:ext cx="1836248" cy="369332"/>
+          </a:xfrm>
+          <a:prstGeom prst="rect">
+            <a:avLst/>
+          </a:prstGeom>
+          <a:noFill/>
+        </p:spPr>
+        <p:txBody>
+          <a:bodyPr wrap="square" rtlCol="0">
+            <a:spAutoFit/>
+          </a:bodyPr>
+          <a:lstStyle/>
+          <a:p>
+            <a:r>
+              <a:rPr kumimoji="1" lang="en-US" altLang="ja-JP" smtClean="0"/>
+              <a:t>(5) get messages</a:t>
+            </a:r>
+            <a:endParaRPr kumimoji="1" lang="ja-JP" altLang="en-US"/>
+          </a:p>
+        </p:txBody>
+      </p:sp>
+      <p:sp>
+        <p:nvSpPr>
+          <p:cNvPr id="13" name="下矢印 12"/>
+          <p:cNvSpPr/>
+          <p:nvPr/>
+        </p:nvSpPr>
+        <p:spPr>
+          <a:xfrm>
+            <a:off x="6270567" y="4149080"/>
+            <a:ext cx="419290" cy="576064"/>
+          </a:xfrm>
+          <a:prstGeom prst="downArrow">
+            <a:avLst/>
+          </a:prstGeom>
+        </p:spPr>
+        <p:style>
+          <a:lnRef idx="2">
+            <a:schemeClr val="accent1">
+              <a:shade val="50000"/>
+            </a:schemeClr>
+          </a:lnRef>
+          <a:fillRef idx="1">
+            <a:schemeClr val="accent1"/>
+          </a:fillRef>
+          <a:effectRef idx="0">
+            <a:schemeClr val="accent1"/>
+          </a:effectRef>
+          <a:fontRef idx="minor">
+            <a:schemeClr val="lt1"/>
+          </a:fontRef>
+        </p:style>
+        <p:txBody>
+          <a:bodyPr rtlCol="0" anchor="ctr"/>
+          <a:lstStyle/>
+          <a:p>
+            <a:pPr algn="ctr"/>
+            <a:endParaRPr kumimoji="1" lang="ja-JP" altLang="en-US"/>
+          </a:p>
+        </p:txBody>
+      </p:sp>
+      <p:sp>
+        <p:nvSpPr>
+          <p:cNvPr id="30" name="テキスト ボックス 29"/>
+          <p:cNvSpPr txBox="1"/>
+          <p:nvPr/>
+        </p:nvSpPr>
+        <p:spPr>
+          <a:xfrm>
+            <a:off x="6948264" y="4252446"/>
+            <a:ext cx="1944216" cy="369332"/>
+          </a:xfrm>
+          <a:prstGeom prst="rect">
+            <a:avLst/>
+          </a:prstGeom>
+          <a:noFill/>
+        </p:spPr>
+        <p:txBody>
+          <a:bodyPr wrap="square" rtlCol="0">
+            <a:spAutoFit/>
+          </a:bodyPr>
+          <a:lstStyle/>
+          <a:p>
+            <a:r>
+              <a:rPr kumimoji="1" lang="en-US" altLang="ja-JP" smtClean="0"/>
+              <a:t>(3’)</a:t>
+            </a:r>
+            <a:r>
+              <a:rPr lang="ja-JP" altLang="en-US"/>
+              <a:t> </a:t>
+            </a:r>
+            <a:r>
+              <a:rPr lang="en-US" altLang="ja-JP" smtClean="0"/>
+              <a:t>get RuleResult</a:t>
+            </a:r>
+            <a:endParaRPr kumimoji="1" lang="ja-JP" altLang="en-US"/>
+          </a:p>
+        </p:txBody>
+      </p:sp>
+      <p:sp>
+        <p:nvSpPr>
+          <p:cNvPr id="14" name="右矢印 13"/>
+          <p:cNvSpPr/>
+          <p:nvPr/>
+        </p:nvSpPr>
+        <p:spPr>
+          <a:xfrm rot="2044010">
+            <a:off x="2753944" y="3944477"/>
+            <a:ext cx="2841644" cy="432048"/>
+          </a:xfrm>
+          <a:prstGeom prst="rightArrow">
+            <a:avLst/>
+          </a:prstGeom>
+        </p:spPr>
+        <p:style>
+          <a:lnRef idx="2">
+            <a:schemeClr val="accent1">
+              <a:shade val="50000"/>
+            </a:schemeClr>
+          </a:lnRef>
+          <a:fillRef idx="1">
+            <a:schemeClr val="accent1"/>
+          </a:fillRef>
+          <a:effectRef idx="0">
+            <a:schemeClr val="accent1"/>
+          </a:effectRef>
+          <a:fontRef idx="minor">
+            <a:schemeClr val="lt1"/>
+          </a:fontRef>
+        </p:style>
+        <p:txBody>
+          <a:bodyPr rtlCol="0" anchor="ctr"/>
+          <a:lstStyle/>
+          <a:p>
+            <a:pPr algn="ctr"/>
+            <a:endParaRPr kumimoji="1" lang="ja-JP" altLang="en-US"/>
+          </a:p>
+        </p:txBody>
+      </p:sp>
+      <p:sp>
+        <p:nvSpPr>
+          <p:cNvPr id="31" name="テキスト ボックス 30"/>
+          <p:cNvSpPr txBox="1"/>
+          <p:nvPr/>
+        </p:nvSpPr>
+        <p:spPr>
+          <a:xfrm>
+            <a:off x="3419872" y="1619508"/>
+            <a:ext cx="1368152" cy="369332"/>
+          </a:xfrm>
+          <a:prstGeom prst="rect">
+            <a:avLst/>
+          </a:prstGeom>
+          <a:noFill/>
+        </p:spPr>
+        <p:txBody>
+          <a:bodyPr wrap="square" rtlCol="0">
+            <a:spAutoFit/>
+          </a:bodyPr>
+          <a:lstStyle/>
+          <a:p>
+            <a:r>
+              <a:rPr kumimoji="1" lang="en-US" altLang="ja-JP" smtClean="0"/>
+              <a:t>(3) validate</a:t>
+            </a:r>
+            <a:endParaRPr kumimoji="1" lang="ja-JP" altLang="en-US"/>
+          </a:p>
+        </p:txBody>
+      </p:sp>
+      <p:sp>
+        <p:nvSpPr>
+          <p:cNvPr id="32" name="テキスト ボックス 31"/>
+          <p:cNvSpPr txBox="1"/>
+          <p:nvPr/>
+        </p:nvSpPr>
+        <p:spPr>
+          <a:xfrm>
+            <a:off x="5562088" y="5373216"/>
+            <a:ext cx="1836248" cy="369332"/>
+          </a:xfrm>
+          <a:prstGeom prst="rect">
+            <a:avLst/>
+          </a:prstGeom>
+          <a:noFill/>
+        </p:spPr>
+        <p:txBody>
+          <a:bodyPr wrap="square" rtlCol="0">
+            <a:spAutoFit/>
+          </a:bodyPr>
+          <a:lstStyle/>
+          <a:p>
+            <a:r>
+              <a:rPr kumimoji="1" lang="en-US" altLang="ja-JP" smtClean="0"/>
+              <a:t>(4) confirm result</a:t>
             </a:r>
             <a:endParaRPr kumimoji="1" lang="ja-JP" altLang="en-US"/>
           </a:p>
